--- a/Reports/Final_Presentation.pptx
+++ b/Reports/Final_Presentation.pptx
@@ -24,13 +24,13 @@
     <p:sldId id="953" r:id="rId12"/>
     <p:sldId id="955" r:id="rId13"/>
     <p:sldId id="954" r:id="rId14"/>
-    <p:sldId id="956" r:id="rId15"/>
-    <p:sldId id="957" r:id="rId16"/>
-    <p:sldId id="958" r:id="rId17"/>
-    <p:sldId id="959" r:id="rId18"/>
-    <p:sldId id="960" r:id="rId19"/>
-    <p:sldId id="961" r:id="rId20"/>
-    <p:sldId id="962" r:id="rId21"/>
+    <p:sldId id="957" r:id="rId15"/>
+    <p:sldId id="956" r:id="rId16"/>
+    <p:sldId id="961" r:id="rId17"/>
+    <p:sldId id="960" r:id="rId18"/>
+    <p:sldId id="972" r:id="rId19"/>
+    <p:sldId id="962" r:id="rId20"/>
+    <p:sldId id="970" r:id="rId21"/>
     <p:sldId id="963" r:id="rId22"/>
     <p:sldId id="964" r:id="rId23"/>
     <p:sldId id="965" r:id="rId24"/>
@@ -34313,7 +34313,7 @@
             <a:fld id="{B61BEF0D-F0BB-DE4B-95CE-6DB70DBA9567}" type="datetimeFigureOut">
               <a:rPr lang="en-US" smtClean="0"/>
               <a:pPr/>
-              <a:t>1/20/2019</a:t>
+              <a:t>1/23/2019</a:t>
             </a:fld>
             <a:endParaRPr lang="en-US" dirty="0"/>
           </a:p>
@@ -34536,7 +34536,7 @@
             <a:fld id="{B61BEF0D-F0BB-DE4B-95CE-6DB70DBA9567}" type="datetimeFigureOut">
               <a:rPr lang="en-US" smtClean="0"/>
               <a:pPr/>
-              <a:t>1/21/2019</a:t>
+              <a:t>1/23/2019</a:t>
             </a:fld>
             <a:endParaRPr lang="en-US" dirty="0"/>
           </a:p>
@@ -34737,7 +34737,7 @@
             <a:fld id="{B61BEF0D-F0BB-DE4B-95CE-6DB70DBA9567}" type="datetimeFigureOut">
               <a:rPr lang="en-US" smtClean="0"/>
               <a:pPr/>
-              <a:t>1/21/2019</a:t>
+              <a:t>1/23/2019</a:t>
             </a:fld>
             <a:endParaRPr lang="en-US" dirty="0"/>
           </a:p>
@@ -35015,7 +35015,7 @@
             <a:fld id="{B61BEF0D-F0BB-DE4B-95CE-6DB70DBA9567}" type="datetimeFigureOut">
               <a:rPr lang="en-US" smtClean="0"/>
               <a:pPr/>
-              <a:t>1/21/2019</a:t>
+              <a:t>1/23/2019</a:t>
             </a:fld>
             <a:endParaRPr lang="en-US" dirty="0"/>
           </a:p>
@@ -35282,7 +35282,7 @@
           <a:p>
             <a:fld id="{EB712588-04B1-427B-82EE-E8DB90309F08}" type="datetimeFigureOut">
               <a:rPr lang="en-US" smtClean="0"/>
-              <a:t>1/21/2019</a:t>
+              <a:t>1/23/2019</a:t>
             </a:fld>
             <a:endParaRPr lang="en-US" dirty="0"/>
           </a:p>
@@ -35696,7 +35696,7 @@
             <a:fld id="{B61BEF0D-F0BB-DE4B-95CE-6DB70DBA9567}" type="datetimeFigureOut">
               <a:rPr lang="en-US" smtClean="0"/>
               <a:pPr/>
-              <a:t>1/21/2019</a:t>
+              <a:t>1/23/2019</a:t>
             </a:fld>
             <a:endParaRPr lang="en-US" dirty="0"/>
           </a:p>
@@ -35931,7 +35931,7 @@
             <a:fld id="{B61BEF0D-F0BB-DE4B-95CE-6DB70DBA9567}" type="datetimeFigureOut">
               <a:rPr lang="en-US" smtClean="0"/>
               <a:pPr/>
-              <a:t>1/21/2019</a:t>
+              <a:t>1/23/2019</a:t>
             </a:fld>
             <a:endParaRPr lang="en-US" dirty="0"/>
           </a:p>
@@ -36047,7 +36047,7 @@
             <a:fld id="{B61BEF0D-F0BB-DE4B-95CE-6DB70DBA9567}" type="datetimeFigureOut">
               <a:rPr lang="en-US" smtClean="0"/>
               <a:pPr/>
-              <a:t>1/21/2019</a:t>
+              <a:t>1/23/2019</a:t>
             </a:fld>
             <a:endParaRPr lang="en-US" dirty="0"/>
           </a:p>
@@ -36371,7 +36371,7 @@
           <a:p>
             <a:fld id="{42A54C80-263E-416B-A8E0-580EDEADCBDC}" type="datetimeFigureOut">
               <a:rPr lang="en-US" smtClean="0"/>
-              <a:t>1/21/2019</a:t>
+              <a:t>1/23/2019</a:t>
             </a:fld>
             <a:endParaRPr lang="en-US" dirty="0"/>
           </a:p>
@@ -36661,7 +36661,7 @@
             <a:fld id="{B61BEF0D-F0BB-DE4B-95CE-6DB70DBA9567}" type="datetimeFigureOut">
               <a:rPr lang="en-US" smtClean="0"/>
               <a:pPr/>
-              <a:t>1/21/2019</a:t>
+              <a:t>1/23/2019</a:t>
             </a:fld>
             <a:endParaRPr lang="en-US" dirty="0"/>
           </a:p>
@@ -36861,7 +36861,7 @@
           <a:p>
             <a:fld id="{55C6B4A9-1611-4792-9094-5F34BCA07E0B}" type="datetimeFigureOut">
               <a:rPr lang="en-US" smtClean="0"/>
-              <a:t>1/21/2019</a:t>
+              <a:t>1/23/2019</a:t>
             </a:fld>
             <a:endParaRPr lang="en-US" dirty="0"/>
           </a:p>
@@ -37071,7 +37071,7 @@
             <a:fld id="{B61BEF0D-F0BB-DE4B-95CE-6DB70DBA9567}" type="datetimeFigureOut">
               <a:rPr lang="en-US" smtClean="0"/>
               <a:pPr/>
-              <a:t>1/21/2019</a:t>
+              <a:t>1/23/2019</a:t>
             </a:fld>
             <a:endParaRPr lang="en-US" dirty="0"/>
           </a:p>
@@ -39657,7 +39657,7 @@
           <a:p>
             <a:fld id="{AD6A8714-8FF2-42AA-9D76-E3ABD3A7DFB0}" type="datetimeFigureOut">
               <a:rPr lang="en-US" smtClean="0"/>
-              <a:t>1/20/2019</a:t>
+              <a:t>1/23/2019</a:t>
             </a:fld>
             <a:endParaRPr lang="en-US"/>
           </a:p>
@@ -41303,6 +41303,219 @@
           <p:cNvPr id="2" name="Title 1">
             <a:extLst>
               <a:ext uri="{FF2B5EF4-FFF2-40B4-BE49-F238E27FC236}">
+                <a16:creationId xmlns:a16="http://schemas.microsoft.com/office/drawing/2014/main" id="{FBC880AD-115B-4BFE-A737-C6F42FCB8CFD}"/>
+              </a:ext>
+            </a:extLst>
+          </p:cNvPr>
+          <p:cNvSpPr>
+            <a:spLocks noGrp="1"/>
+          </p:cNvSpPr>
+          <p:nvPr>
+            <p:ph type="title"/>
+          </p:nvPr>
+        </p:nvSpPr>
+        <p:spPr/>
+        <p:txBody>
+          <a:bodyPr/>
+          <a:lstStyle/>
+          <a:p>
+            <a:r>
+              <a:rPr lang="en-US" dirty="0"/>
+              <a:t>Modeling Overview</a:t>
+            </a:r>
+          </a:p>
+        </p:txBody>
+      </p:sp>
+      <mc:AlternateContent xmlns:mc="http://schemas.openxmlformats.org/markup-compatibility/2006" xmlns:a14="http://schemas.microsoft.com/office/drawing/2010/main">
+        <mc:Choice Requires="a14">
+          <p:sp>
+            <p:nvSpPr>
+              <p:cNvPr id="3" name="Content Placeholder 2">
+                <a:extLst>
+                  <a:ext uri="{FF2B5EF4-FFF2-40B4-BE49-F238E27FC236}">
+                    <a16:creationId xmlns:a16="http://schemas.microsoft.com/office/drawing/2014/main" id="{CF62CCEB-3225-4844-A436-E17492B19D23}"/>
+                  </a:ext>
+                </a:extLst>
+              </p:cNvPr>
+              <p:cNvSpPr>
+                <a:spLocks noGrp="1"/>
+              </p:cNvSpPr>
+              <p:nvPr>
+                <p:ph idx="1"/>
+              </p:nvPr>
+            </p:nvSpPr>
+            <p:spPr/>
+            <p:txBody>
+              <a:bodyPr/>
+              <a:lstStyle/>
+              <a:p>
+                <a:r>
+                  <a:rPr lang="en-US" dirty="0"/>
+                  <a:t>Type: Supervised Learning</a:t>
+                </a:r>
+              </a:p>
+              <a:p>
+                <a:r>
+                  <a:rPr lang="en-US" dirty="0"/>
+                  <a:t>Regression Problem: Possible Target values [0, </a:t>
+                </a:r>
+                <a14:m>
+                  <m:oMath xmlns:m="http://schemas.openxmlformats.org/officeDocument/2006/math">
+                    <m:r>
+                      <a:rPr lang="en-US" b="0" i="1" smtClean="0">
+                        <a:latin typeface="Cambria Math" panose="02040503050406030204" pitchFamily="18" charset="0"/>
+                      </a:rPr>
+                      <m:t>∞</m:t>
+                    </m:r>
+                    <m:r>
+                      <a:rPr lang="en-US" b="0" i="0" smtClean="0">
+                        <a:latin typeface="Cambria Math" panose="02040503050406030204" pitchFamily="18" charset="0"/>
+                      </a:rPr>
+                      <m:t>)</m:t>
+                    </m:r>
+                  </m:oMath>
+                </a14:m>
+                <a:endParaRPr lang="en-US" b="0" dirty="0"/>
+              </a:p>
+              <a:p>
+                <a:endParaRPr lang="en-US" dirty="0"/>
+              </a:p>
+              <a:p>
+                <a:endParaRPr lang="en-US" dirty="0"/>
+              </a:p>
+            </p:txBody>
+          </p:sp>
+        </mc:Choice>
+        <mc:Fallback xmlns="">
+          <p:sp>
+            <p:nvSpPr>
+              <p:cNvPr id="3" name="Content Placeholder 2">
+                <a:extLst>
+                  <a:ext uri="{FF2B5EF4-FFF2-40B4-BE49-F238E27FC236}">
+                    <a16:creationId xmlns:a16="http://schemas.microsoft.com/office/drawing/2014/main" id="{CF62CCEB-3225-4844-A436-E17492B19D23}"/>
+                  </a:ext>
+                </a:extLst>
+              </p:cNvPr>
+              <p:cNvSpPr>
+                <a:spLocks noGrp="1" noRot="1" noChangeAspect="1" noMove="1" noResize="1" noEditPoints="1" noAdjustHandles="1" noChangeArrowheads="1" noChangeShapeType="1" noTextEdit="1"/>
+              </p:cNvSpPr>
+              <p:nvPr>
+                <p:ph idx="1"/>
+              </p:nvPr>
+            </p:nvSpPr>
+            <p:spPr>
+              <a:blipFill>
+                <a:blip r:embed="rId2"/>
+                <a:stretch>
+                  <a:fillRect l="-1043" t="-2381"/>
+                </a:stretch>
+              </a:blipFill>
+            </p:spPr>
+            <p:txBody>
+              <a:bodyPr/>
+              <a:lstStyle/>
+              <a:p>
+                <a:r>
+                  <a:rPr lang="en-US">
+                    <a:noFill/>
+                  </a:rPr>
+                  <a:t> </a:t>
+                </a:r>
+              </a:p>
+            </p:txBody>
+          </p:sp>
+        </mc:Fallback>
+      </mc:AlternateContent>
+      <p:sp>
+        <p:nvSpPr>
+          <p:cNvPr id="4" name="Footer Placeholder 3">
+            <a:extLst>
+              <a:ext uri="{FF2B5EF4-FFF2-40B4-BE49-F238E27FC236}">
+                <a16:creationId xmlns:a16="http://schemas.microsoft.com/office/drawing/2014/main" id="{E01D2B6F-F671-4D51-9A47-22130A1DA353}"/>
+              </a:ext>
+            </a:extLst>
+          </p:cNvPr>
+          <p:cNvSpPr>
+            <a:spLocks noGrp="1"/>
+          </p:cNvSpPr>
+          <p:nvPr>
+            <p:ph type="ftr" sz="quarter" idx="11"/>
+          </p:nvPr>
+        </p:nvSpPr>
+        <p:spPr/>
+        <p:txBody>
+          <a:bodyPr/>
+          <a:lstStyle/>
+          <a:p>
+            <a:endParaRPr lang="en-US" dirty="0"/>
+          </a:p>
+        </p:txBody>
+      </p:sp>
+      <p:pic>
+        <p:nvPicPr>
+          <p:cNvPr id="7" name="Picture 6">
+            <a:extLst>
+              <a:ext uri="{FF2B5EF4-FFF2-40B4-BE49-F238E27FC236}">
+                <a16:creationId xmlns:a16="http://schemas.microsoft.com/office/drawing/2014/main" id="{7439A93B-24C0-404A-8D6D-84D59CD8035C}"/>
+              </a:ext>
+            </a:extLst>
+          </p:cNvPr>
+          <p:cNvPicPr>
+            <a:picLocks noChangeAspect="1"/>
+          </p:cNvPicPr>
+          <p:nvPr/>
+        </p:nvPicPr>
+        <p:blipFill>
+          <a:blip r:embed="rId3"/>
+          <a:stretch>
+            <a:fillRect/>
+          </a:stretch>
+        </p:blipFill>
+        <p:spPr>
+          <a:xfrm>
+            <a:off x="4880651" y="1786021"/>
+            <a:ext cx="6993643" cy="4759681"/>
+          </a:xfrm>
+          <a:prstGeom prst="rect">
+            <a:avLst/>
+          </a:prstGeom>
+        </p:spPr>
+      </p:pic>
+    </p:spTree>
+    <p:extLst>
+      <p:ext uri="{BB962C8B-B14F-4D97-AF65-F5344CB8AC3E}">
+        <p14:creationId xmlns:p14="http://schemas.microsoft.com/office/powerpoint/2010/main" val="3509255262"/>
+      </p:ext>
+    </p:extLst>
+  </p:cSld>
+  <p:clrMapOvr>
+    <a:masterClrMapping/>
+  </p:clrMapOvr>
+</p:sld>
+</file>
+
+<file path=ppt/slides/slide14.xml><?xml version="1.0" encoding="utf-8"?>
+<p:sld xmlns:a="http://schemas.openxmlformats.org/drawingml/2006/main" xmlns:r="http://schemas.openxmlformats.org/officeDocument/2006/relationships" xmlns:p="http://schemas.openxmlformats.org/presentationml/2006/main">
+  <p:cSld>
+    <p:spTree>
+      <p:nvGrpSpPr>
+        <p:cNvPr id="1" name=""/>
+        <p:cNvGrpSpPr/>
+        <p:nvPr/>
+      </p:nvGrpSpPr>
+      <p:grpSpPr>
+        <a:xfrm>
+          <a:off x="0" y="0"/>
+          <a:ext cx="0" cy="0"/>
+          <a:chOff x="0" y="0"/>
+          <a:chExt cx="0" cy="0"/>
+        </a:xfrm>
+      </p:grpSpPr>
+      <p:sp>
+        <p:nvSpPr>
+          <p:cNvPr id="2" name="Title 1">
+            <a:extLst>
+              <a:ext uri="{FF2B5EF4-FFF2-40B4-BE49-F238E27FC236}">
                 <a16:creationId xmlns:a16="http://schemas.microsoft.com/office/drawing/2014/main" id="{196A1979-8BF2-4A90-95BF-F73EB76C74D7}"/>
               </a:ext>
             </a:extLst>
@@ -41383,10 +41596,10 @@
       </p:sp>
       <p:grpSp>
         <p:nvGrpSpPr>
-          <p:cNvPr id="35" name="Group 34">
+          <p:cNvPr id="27" name="Group 26">
             <a:extLst>
               <a:ext uri="{FF2B5EF4-FFF2-40B4-BE49-F238E27FC236}">
-                <a16:creationId xmlns:a16="http://schemas.microsoft.com/office/drawing/2014/main" id="{FBF02B1C-DE8D-4DD9-B0B9-FC1F97581F1A}"/>
+                <a16:creationId xmlns:a16="http://schemas.microsoft.com/office/drawing/2014/main" id="{BC3420D9-AF4B-4CB1-9E8A-E1F45E69AEB8}"/>
               </a:ext>
             </a:extLst>
           </p:cNvPr>
@@ -41397,16 +41610,16 @@
           <a:xfrm>
             <a:off x="2779940" y="460491"/>
             <a:ext cx="9172575" cy="2460393"/>
-            <a:chOff x="3345997" y="947109"/>
+            <a:chOff x="1645850" y="2996796"/>
             <a:chExt cx="9172575" cy="2460393"/>
           </a:xfrm>
         </p:grpSpPr>
         <p:grpSp>
           <p:nvGrpSpPr>
-            <p:cNvPr id="27" name="Group 26">
+            <p:cNvPr id="25" name="Group 24">
               <a:extLst>
                 <a:ext uri="{FF2B5EF4-FFF2-40B4-BE49-F238E27FC236}">
-                  <a16:creationId xmlns:a16="http://schemas.microsoft.com/office/drawing/2014/main" id="{BC3420D9-AF4B-4CB1-9E8A-E1F45E69AEB8}"/>
+                  <a16:creationId xmlns:a16="http://schemas.microsoft.com/office/drawing/2014/main" id="{291E29B2-A05E-4D41-A57B-D03CF709B12D}"/>
                 </a:ext>
               </a:extLst>
             </p:cNvPr>
@@ -41415,818 +41628,48 @@
           </p:nvGrpSpPr>
           <p:grpSpPr>
             <a:xfrm>
-              <a:off x="3345997" y="947109"/>
+              <a:off x="1645850" y="2996796"/>
               <a:ext cx="9172575" cy="2460393"/>
-              <a:chOff x="1645850" y="2996796"/>
+              <a:chOff x="1058021" y="2982685"/>
               <a:chExt cx="9172575" cy="2460393"/>
             </a:xfrm>
           </p:grpSpPr>
-          <p:grpSp>
-            <p:nvGrpSpPr>
-              <p:cNvPr id="25" name="Group 24">
+          <p:pic>
+            <p:nvPicPr>
+              <p:cNvPr id="5" name="Picture 4">
                 <a:extLst>
                   <a:ext uri="{FF2B5EF4-FFF2-40B4-BE49-F238E27FC236}">
-                    <a16:creationId xmlns:a16="http://schemas.microsoft.com/office/drawing/2014/main" id="{291E29B2-A05E-4D41-A57B-D03CF709B12D}"/>
+                    <a16:creationId xmlns:a16="http://schemas.microsoft.com/office/drawing/2014/main" id="{347EB746-DFAE-42FA-858A-4459D0C97049}"/>
                   </a:ext>
                 </a:extLst>
               </p:cNvPr>
-              <p:cNvGrpSpPr/>
+              <p:cNvPicPr>
+                <a:picLocks noChangeAspect="1"/>
+              </p:cNvPicPr>
               <p:nvPr/>
-            </p:nvGrpSpPr>
-            <p:grpSpPr>
+            </p:nvPicPr>
+            <p:blipFill>
+              <a:blip r:embed="rId2"/>
+              <a:stretch>
+                <a:fillRect/>
+              </a:stretch>
+            </p:blipFill>
+            <p:spPr>
               <a:xfrm>
-                <a:off x="1645850" y="2996796"/>
-                <a:ext cx="9172575" cy="2460393"/>
-                <a:chOff x="1058021" y="2982685"/>
-                <a:chExt cx="9172575" cy="2460393"/>
+                <a:off x="1058021" y="4081003"/>
+                <a:ext cx="9172575" cy="1362075"/>
               </a:xfrm>
-            </p:grpSpPr>
-            <p:pic>
-              <p:nvPicPr>
-                <p:cNvPr id="5" name="Picture 4">
-                  <a:extLst>
-                    <a:ext uri="{FF2B5EF4-FFF2-40B4-BE49-F238E27FC236}">
-                      <a16:creationId xmlns:a16="http://schemas.microsoft.com/office/drawing/2014/main" id="{347EB746-DFAE-42FA-858A-4459D0C97049}"/>
-                    </a:ext>
-                  </a:extLst>
-                </p:cNvPr>
-                <p:cNvPicPr>
-                  <a:picLocks noChangeAspect="1"/>
-                </p:cNvPicPr>
-                <p:nvPr/>
-              </p:nvPicPr>
-              <p:blipFill>
-                <a:blip r:embed="rId2"/>
-                <a:stretch>
-                  <a:fillRect/>
-                </a:stretch>
-              </p:blipFill>
-              <p:spPr>
-                <a:xfrm>
-                  <a:off x="1058021" y="4081003"/>
-                  <a:ext cx="9172575" cy="1362075"/>
-                </a:xfrm>
-                <a:prstGeom prst="rect">
-                  <a:avLst/>
-                </a:prstGeom>
-              </p:spPr>
-            </p:pic>
-            <p:sp>
-              <p:nvSpPr>
-                <p:cNvPr id="6" name="Rectangle 5">
-                  <a:extLst>
-                    <a:ext uri="{FF2B5EF4-FFF2-40B4-BE49-F238E27FC236}">
-                      <a16:creationId xmlns:a16="http://schemas.microsoft.com/office/drawing/2014/main" id="{7A2F7A9C-17DB-42F3-A634-9F5C3C666B6B}"/>
-                    </a:ext>
-                  </a:extLst>
-                </p:cNvPr>
-                <p:cNvSpPr/>
-                <p:nvPr/>
-              </p:nvSpPr>
-              <p:spPr>
-                <a:xfrm>
-                  <a:off x="2258458" y="4021926"/>
-                  <a:ext cx="1068636" cy="394436"/>
-                </a:xfrm>
-                <a:prstGeom prst="rect">
-                  <a:avLst/>
-                </a:prstGeom>
-                <a:solidFill>
-                  <a:srgbClr val="FF0000">
-                    <a:alpha val="50000"/>
-                  </a:srgbClr>
-                </a:solidFill>
-                <a:ln>
-                  <a:solidFill>
-                    <a:srgbClr val="FF0000"/>
-                  </a:solidFill>
-                </a:ln>
-              </p:spPr>
-              <p:style>
-                <a:lnRef idx="2">
-                  <a:schemeClr val="accent1">
-                    <a:shade val="50000"/>
-                  </a:schemeClr>
-                </a:lnRef>
-                <a:fillRef idx="1">
-                  <a:schemeClr val="accent1"/>
-                </a:fillRef>
-                <a:effectRef idx="0">
-                  <a:schemeClr val="accent1"/>
-                </a:effectRef>
-                <a:fontRef idx="minor">
-                  <a:schemeClr val="lt1"/>
-                </a:fontRef>
-              </p:style>
-              <p:txBody>
-                <a:bodyPr rtlCol="0" anchor="ctr"/>
-                <a:lstStyle/>
-                <a:p>
-                  <a:pPr algn="ctr"/>
-                  <a:endParaRPr lang="en-US" dirty="0"/>
-                </a:p>
-              </p:txBody>
-            </p:sp>
-            <p:sp>
-              <p:nvSpPr>
-                <p:cNvPr id="8" name="Rectangle 7">
-                  <a:extLst>
-                    <a:ext uri="{FF2B5EF4-FFF2-40B4-BE49-F238E27FC236}">
-                      <a16:creationId xmlns:a16="http://schemas.microsoft.com/office/drawing/2014/main" id="{A2236257-DACA-45FB-A907-1FD91638E888}"/>
-                    </a:ext>
-                  </a:extLst>
-                </p:cNvPr>
-                <p:cNvSpPr/>
-                <p:nvPr/>
-              </p:nvSpPr>
-              <p:spPr>
-                <a:xfrm>
-                  <a:off x="5027364" y="4021926"/>
-                  <a:ext cx="415493" cy="394436"/>
-                </a:xfrm>
-                <a:prstGeom prst="rect">
-                  <a:avLst/>
-                </a:prstGeom>
-                <a:solidFill>
-                  <a:srgbClr val="FF0000">
-                    <a:alpha val="50000"/>
-                  </a:srgbClr>
-                </a:solidFill>
-                <a:ln>
-                  <a:solidFill>
-                    <a:srgbClr val="FF0000"/>
-                  </a:solidFill>
-                </a:ln>
-              </p:spPr>
-              <p:style>
-                <a:lnRef idx="2">
-                  <a:schemeClr val="accent1">
-                    <a:shade val="50000"/>
-                  </a:schemeClr>
-                </a:lnRef>
-                <a:fillRef idx="1">
-                  <a:schemeClr val="accent1"/>
-                </a:fillRef>
-                <a:effectRef idx="0">
-                  <a:schemeClr val="accent1"/>
-                </a:effectRef>
-                <a:fontRef idx="minor">
-                  <a:schemeClr val="lt1"/>
-                </a:fontRef>
-              </p:style>
-              <p:txBody>
-                <a:bodyPr rtlCol="0" anchor="ctr"/>
-                <a:lstStyle/>
-                <a:p>
-                  <a:pPr algn="ctr"/>
-                  <a:endParaRPr lang="en-US" dirty="0"/>
-                </a:p>
-              </p:txBody>
-            </p:sp>
-            <p:sp>
-              <p:nvSpPr>
-                <p:cNvPr id="9" name="Rectangle 8">
-                  <a:extLst>
-                    <a:ext uri="{FF2B5EF4-FFF2-40B4-BE49-F238E27FC236}">
-                      <a16:creationId xmlns:a16="http://schemas.microsoft.com/office/drawing/2014/main" id="{9BD0A1D0-CDAE-4F77-8357-314C739FB8E6}"/>
-                    </a:ext>
-                  </a:extLst>
-                </p:cNvPr>
-                <p:cNvSpPr/>
-                <p:nvPr/>
-              </p:nvSpPr>
-              <p:spPr>
-                <a:xfrm>
-                  <a:off x="6074819" y="4016138"/>
-                  <a:ext cx="1828210" cy="394436"/>
-                </a:xfrm>
-                <a:prstGeom prst="rect">
-                  <a:avLst/>
-                </a:prstGeom>
-                <a:solidFill>
-                  <a:srgbClr val="FF0000">
-                    <a:alpha val="50000"/>
-                  </a:srgbClr>
-                </a:solidFill>
-                <a:ln>
-                  <a:solidFill>
-                    <a:srgbClr val="FF0000"/>
-                  </a:solidFill>
-                </a:ln>
-              </p:spPr>
-              <p:style>
-                <a:lnRef idx="2">
-                  <a:schemeClr val="accent1">
-                    <a:shade val="50000"/>
-                  </a:schemeClr>
-                </a:lnRef>
-                <a:fillRef idx="1">
-                  <a:schemeClr val="accent1"/>
-                </a:fillRef>
-                <a:effectRef idx="0">
-                  <a:schemeClr val="accent1"/>
-                </a:effectRef>
-                <a:fontRef idx="minor">
-                  <a:schemeClr val="lt1"/>
-                </a:fontRef>
-              </p:style>
-              <p:txBody>
-                <a:bodyPr rtlCol="0" anchor="ctr"/>
-                <a:lstStyle/>
-                <a:p>
-                  <a:pPr algn="ctr"/>
-                  <a:endParaRPr lang="en-US" dirty="0"/>
-                </a:p>
-              </p:txBody>
-            </p:sp>
-            <p:sp>
-              <p:nvSpPr>
-                <p:cNvPr id="10" name="Rectangle 9">
-                  <a:extLst>
-                    <a:ext uri="{FF2B5EF4-FFF2-40B4-BE49-F238E27FC236}">
-                      <a16:creationId xmlns:a16="http://schemas.microsoft.com/office/drawing/2014/main" id="{2859876F-B46E-4DDF-AE2E-AB20D2EF9CE9}"/>
-                    </a:ext>
-                  </a:extLst>
-                </p:cNvPr>
-                <p:cNvSpPr/>
-                <p:nvPr/>
-              </p:nvSpPr>
-              <p:spPr>
-                <a:xfrm>
-                  <a:off x="8822544" y="4012180"/>
-                  <a:ext cx="332342" cy="394436"/>
-                </a:xfrm>
-                <a:prstGeom prst="rect">
-                  <a:avLst/>
-                </a:prstGeom>
-                <a:solidFill>
-                  <a:srgbClr val="FF0000">
-                    <a:alpha val="50000"/>
-                  </a:srgbClr>
-                </a:solidFill>
-                <a:ln>
-                  <a:solidFill>
-                    <a:srgbClr val="FF0000"/>
-                  </a:solidFill>
-                </a:ln>
-              </p:spPr>
-              <p:style>
-                <a:lnRef idx="2">
-                  <a:schemeClr val="accent1">
-                    <a:shade val="50000"/>
-                  </a:schemeClr>
-                </a:lnRef>
-                <a:fillRef idx="1">
-                  <a:schemeClr val="accent1"/>
-                </a:fillRef>
-                <a:effectRef idx="0">
-                  <a:schemeClr val="accent1"/>
-                </a:effectRef>
-                <a:fontRef idx="minor">
-                  <a:schemeClr val="lt1"/>
-                </a:fontRef>
-              </p:style>
-              <p:txBody>
-                <a:bodyPr rtlCol="0" anchor="ctr"/>
-                <a:lstStyle/>
-                <a:p>
-                  <a:pPr algn="ctr"/>
-                  <a:endParaRPr lang="en-US" dirty="0"/>
-                </a:p>
-              </p:txBody>
-            </p:sp>
-            <p:sp>
-              <p:nvSpPr>
-                <p:cNvPr id="11" name="Rectangle 10">
-                  <a:extLst>
-                    <a:ext uri="{FF2B5EF4-FFF2-40B4-BE49-F238E27FC236}">
-                      <a16:creationId xmlns:a16="http://schemas.microsoft.com/office/drawing/2014/main" id="{1CE94A5E-A69F-43CA-8096-59595ED82B56}"/>
-                    </a:ext>
-                  </a:extLst>
-                </p:cNvPr>
-                <p:cNvSpPr/>
-                <p:nvPr/>
-              </p:nvSpPr>
-              <p:spPr>
-                <a:xfrm>
-                  <a:off x="7921759" y="4016138"/>
-                  <a:ext cx="416698" cy="394436"/>
-                </a:xfrm>
-                <a:prstGeom prst="rect">
-                  <a:avLst/>
-                </a:prstGeom>
-                <a:solidFill>
-                  <a:srgbClr val="00B050">
-                    <a:alpha val="50000"/>
-                  </a:srgbClr>
-                </a:solidFill>
-                <a:ln>
-                  <a:solidFill>
-                    <a:srgbClr val="00B050"/>
-                  </a:solidFill>
-                </a:ln>
-              </p:spPr>
-              <p:style>
-                <a:lnRef idx="2">
-                  <a:schemeClr val="accent1">
-                    <a:shade val="50000"/>
-                  </a:schemeClr>
-                </a:lnRef>
-                <a:fillRef idx="1">
-                  <a:schemeClr val="accent1"/>
-                </a:fillRef>
-                <a:effectRef idx="0">
-                  <a:schemeClr val="accent1"/>
-                </a:effectRef>
-                <a:fontRef idx="minor">
-                  <a:schemeClr val="lt1"/>
-                </a:fontRef>
-              </p:style>
-              <p:txBody>
-                <a:bodyPr rtlCol="0" anchor="ctr"/>
-                <a:lstStyle/>
-                <a:p>
-                  <a:pPr algn="ctr"/>
-                  <a:endParaRPr lang="en-US" dirty="0"/>
-                </a:p>
-              </p:txBody>
-            </p:sp>
-            <p:sp>
-              <p:nvSpPr>
-                <p:cNvPr id="12" name="Rectangle 11">
-                  <a:extLst>
-                    <a:ext uri="{FF2B5EF4-FFF2-40B4-BE49-F238E27FC236}">
-                      <a16:creationId xmlns:a16="http://schemas.microsoft.com/office/drawing/2014/main" id="{85A8119E-A4C2-4111-B52B-6D9E056AFBDC}"/>
-                    </a:ext>
-                  </a:extLst>
-                </p:cNvPr>
-                <p:cNvSpPr/>
-                <p:nvPr/>
-              </p:nvSpPr>
-              <p:spPr>
-                <a:xfrm>
-                  <a:off x="8365031" y="4016138"/>
-                  <a:ext cx="416698" cy="394436"/>
-                </a:xfrm>
-                <a:prstGeom prst="rect">
-                  <a:avLst/>
-                </a:prstGeom>
-                <a:solidFill>
-                  <a:srgbClr val="0070C0">
-                    <a:alpha val="50000"/>
-                  </a:srgbClr>
-                </a:solidFill>
-                <a:ln>
-                  <a:solidFill>
-                    <a:srgbClr val="0070C0"/>
-                  </a:solidFill>
-                </a:ln>
-              </p:spPr>
-              <p:style>
-                <a:lnRef idx="2">
-                  <a:schemeClr val="accent1">
-                    <a:shade val="50000"/>
-                  </a:schemeClr>
-                </a:lnRef>
-                <a:fillRef idx="1">
-                  <a:schemeClr val="accent1"/>
-                </a:fillRef>
-                <a:effectRef idx="0">
-                  <a:schemeClr val="accent1"/>
-                </a:effectRef>
-                <a:fontRef idx="minor">
-                  <a:schemeClr val="lt1"/>
-                </a:fontRef>
-              </p:style>
-              <p:txBody>
-                <a:bodyPr rtlCol="0" anchor="ctr"/>
-                <a:lstStyle/>
-                <a:p>
-                  <a:pPr algn="ctr"/>
-                  <a:endParaRPr lang="en-US" dirty="0"/>
-                </a:p>
-              </p:txBody>
-            </p:sp>
-            <p:sp>
-              <p:nvSpPr>
-                <p:cNvPr id="13" name="Rectangle 12">
-                  <a:extLst>
-                    <a:ext uri="{FF2B5EF4-FFF2-40B4-BE49-F238E27FC236}">
-                      <a16:creationId xmlns:a16="http://schemas.microsoft.com/office/drawing/2014/main" id="{9FE850A0-6CD7-47DA-B210-47AA356391CB}"/>
-                    </a:ext>
-                  </a:extLst>
-                </p:cNvPr>
-                <p:cNvSpPr/>
-                <p:nvPr/>
-              </p:nvSpPr>
-              <p:spPr>
-                <a:xfrm>
-                  <a:off x="9184815" y="4008806"/>
-                  <a:ext cx="442478" cy="394436"/>
-                </a:xfrm>
-                <a:prstGeom prst="rect">
-                  <a:avLst/>
-                </a:prstGeom>
-                <a:solidFill>
-                  <a:srgbClr val="0070C0">
-                    <a:alpha val="50000"/>
-                  </a:srgbClr>
-                </a:solidFill>
-                <a:ln>
-                  <a:solidFill>
-                    <a:srgbClr val="0070C0"/>
-                  </a:solidFill>
-                </a:ln>
-              </p:spPr>
-              <p:style>
-                <a:lnRef idx="2">
-                  <a:schemeClr val="accent1">
-                    <a:shade val="50000"/>
-                  </a:schemeClr>
-                </a:lnRef>
-                <a:fillRef idx="1">
-                  <a:schemeClr val="accent1"/>
-                </a:fillRef>
-                <a:effectRef idx="0">
-                  <a:schemeClr val="accent1"/>
-                </a:effectRef>
-                <a:fontRef idx="minor">
-                  <a:schemeClr val="lt1"/>
-                </a:fontRef>
-              </p:style>
-              <p:txBody>
-                <a:bodyPr rot="0" spcFirstLastPara="0" vertOverflow="overflow" horzOverflow="overflow" vert="horz" wrap="square" lIns="91440" tIns="45720" rIns="91440" bIns="45720" numCol="1" spcCol="0" rtlCol="0" fromWordArt="0" anchor="ctr" anchorCtr="0" forceAA="0" compatLnSpc="1">
-                  <a:prstTxWarp prst="textNoShape">
-                    <a:avLst/>
-                  </a:prstTxWarp>
-                  <a:noAutofit/>
-                </a:bodyPr>
-                <a:lstStyle/>
-                <a:p>
-                  <a:pPr algn="ctr"/>
-                  <a:endParaRPr lang="en-US" dirty="0"/>
-                </a:p>
-              </p:txBody>
-            </p:sp>
-            <p:sp>
-              <p:nvSpPr>
-                <p:cNvPr id="14" name="Rectangle 13">
-                  <a:extLst>
-                    <a:ext uri="{FF2B5EF4-FFF2-40B4-BE49-F238E27FC236}">
-                      <a16:creationId xmlns:a16="http://schemas.microsoft.com/office/drawing/2014/main" id="{B5C56BDC-5AD3-45DF-A7A1-BBA9B4E0E7AF}"/>
-                    </a:ext>
-                  </a:extLst>
-                </p:cNvPr>
-                <p:cNvSpPr/>
-                <p:nvPr/>
-              </p:nvSpPr>
-              <p:spPr>
-                <a:xfrm>
-                  <a:off x="1373987" y="4191650"/>
-                  <a:ext cx="889586" cy="394436"/>
-                </a:xfrm>
-                <a:prstGeom prst="rect">
-                  <a:avLst/>
-                </a:prstGeom>
-                <a:solidFill>
-                  <a:srgbClr val="0070C0">
-                    <a:alpha val="50000"/>
-                  </a:srgbClr>
-                </a:solidFill>
-                <a:ln>
-                  <a:solidFill>
-                    <a:srgbClr val="0070C0"/>
-                  </a:solidFill>
-                  <a:prstDash val="dashDot"/>
-                </a:ln>
-              </p:spPr>
-              <p:style>
-                <a:lnRef idx="2">
-                  <a:schemeClr val="accent1">
-                    <a:shade val="50000"/>
-                  </a:schemeClr>
-                </a:lnRef>
-                <a:fillRef idx="1">
-                  <a:schemeClr val="accent1"/>
-                </a:fillRef>
-                <a:effectRef idx="0">
-                  <a:schemeClr val="accent1"/>
-                </a:effectRef>
-                <a:fontRef idx="minor">
-                  <a:schemeClr val="lt1"/>
-                </a:fontRef>
-              </p:style>
-              <p:txBody>
-                <a:bodyPr rot="0" spcFirstLastPara="0" vertOverflow="overflow" horzOverflow="overflow" vert="horz" wrap="square" lIns="91440" tIns="45720" rIns="91440" bIns="45720" numCol="1" spcCol="0" rtlCol="0" fromWordArt="0" anchor="ctr" anchorCtr="0" forceAA="0" compatLnSpc="1">
-                  <a:prstTxWarp prst="textNoShape">
-                    <a:avLst/>
-                  </a:prstTxWarp>
-                  <a:noAutofit/>
-                </a:bodyPr>
-                <a:lstStyle/>
-                <a:p>
-                  <a:pPr algn="ctr"/>
-                  <a:endParaRPr lang="en-US" dirty="0"/>
-                </a:p>
-              </p:txBody>
-            </p:sp>
-            <p:sp>
-              <p:nvSpPr>
-                <p:cNvPr id="17" name="Freeform: Shape 16">
-                  <a:extLst>
-                    <a:ext uri="{FF2B5EF4-FFF2-40B4-BE49-F238E27FC236}">
-                      <a16:creationId xmlns:a16="http://schemas.microsoft.com/office/drawing/2014/main" id="{BCA7FF2E-65F3-4A0B-B8A9-855ABE49536D}"/>
-                    </a:ext>
-                  </a:extLst>
-                </p:cNvPr>
-                <p:cNvSpPr/>
-                <p:nvPr/>
-              </p:nvSpPr>
-              <p:spPr>
-                <a:xfrm>
-                  <a:off x="1961404" y="2983634"/>
-                  <a:ext cx="6583882" cy="1208015"/>
-                </a:xfrm>
-                <a:custGeom>
-                  <a:avLst/>
-                  <a:gdLst>
-                    <a:gd name="connsiteX0" fmla="*/ 0 w 6640286"/>
-                    <a:gd name="connsiteY0" fmla="*/ 1404710 h 1404710"/>
-                    <a:gd name="connsiteX1" fmla="*/ 3037114 w 6640286"/>
-                    <a:gd name="connsiteY1" fmla="*/ 452 h 1404710"/>
-                    <a:gd name="connsiteX2" fmla="*/ 6640286 w 6640286"/>
-                    <a:gd name="connsiteY2" fmla="*/ 1252310 h 1404710"/>
-                  </a:gdLst>
-                  <a:ahLst/>
-                  <a:cxnLst>
-                    <a:cxn ang="0">
-                      <a:pos x="connsiteX0" y="connsiteY0"/>
-                    </a:cxn>
-                    <a:cxn ang="0">
-                      <a:pos x="connsiteX1" y="connsiteY1"/>
-                    </a:cxn>
-                    <a:cxn ang="0">
-                      <a:pos x="connsiteX2" y="connsiteY2"/>
-                    </a:cxn>
-                  </a:cxnLst>
-                  <a:rect l="l" t="t" r="r" b="b"/>
-                  <a:pathLst>
-                    <a:path w="6640286" h="1404710">
-                      <a:moveTo>
-                        <a:pt x="0" y="1404710"/>
-                      </a:moveTo>
-                      <a:cubicBezTo>
-                        <a:pt x="965200" y="715281"/>
-                        <a:pt x="1930400" y="25852"/>
-                        <a:pt x="3037114" y="452"/>
-                      </a:cubicBezTo>
-                      <a:cubicBezTo>
-                        <a:pt x="4143828" y="-24948"/>
-                        <a:pt x="5974443" y="1025524"/>
-                        <a:pt x="6640286" y="1252310"/>
-                      </a:cubicBezTo>
-                    </a:path>
-                  </a:pathLst>
-                </a:custGeom>
-                <a:noFill/>
-                <a:ln>
-                  <a:headEnd type="none" w="med" len="med"/>
-                  <a:tailEnd type="triangle" w="med" len="med"/>
-                </a:ln>
-              </p:spPr>
-              <p:style>
-                <a:lnRef idx="2">
-                  <a:schemeClr val="accent1">
-                    <a:shade val="50000"/>
-                  </a:schemeClr>
-                </a:lnRef>
-                <a:fillRef idx="1">
-                  <a:schemeClr val="accent1"/>
-                </a:fillRef>
-                <a:effectRef idx="0">
-                  <a:schemeClr val="accent1"/>
-                </a:effectRef>
-                <a:fontRef idx="minor">
-                  <a:schemeClr val="lt1"/>
-                </a:fontRef>
-              </p:style>
-              <p:txBody>
-                <a:bodyPr rtlCol="0" anchor="ctr"/>
-                <a:lstStyle/>
-                <a:p>
-                  <a:pPr algn="ctr"/>
-                  <a:endParaRPr lang="en-US"/>
-                </a:p>
-              </p:txBody>
-            </p:sp>
-            <p:sp>
-              <p:nvSpPr>
-                <p:cNvPr id="22" name="Freeform: Shape 21">
-                  <a:extLst>
-                    <a:ext uri="{FF2B5EF4-FFF2-40B4-BE49-F238E27FC236}">
-                      <a16:creationId xmlns:a16="http://schemas.microsoft.com/office/drawing/2014/main" id="{B7EEBD4C-41C4-48DA-9E6E-3D49BA24011E}"/>
-                    </a:ext>
-                  </a:extLst>
-                </p:cNvPr>
-                <p:cNvSpPr/>
-                <p:nvPr/>
-              </p:nvSpPr>
-              <p:spPr>
-                <a:xfrm>
-                  <a:off x="5192486" y="2982685"/>
-                  <a:ext cx="4237271" cy="1033453"/>
-                </a:xfrm>
-                <a:custGeom>
-                  <a:avLst/>
-                  <a:gdLst>
-                    <a:gd name="connsiteX0" fmla="*/ 0 w 4038600"/>
-                    <a:gd name="connsiteY0" fmla="*/ 0 h 446314"/>
-                    <a:gd name="connsiteX1" fmla="*/ 4038600 w 4038600"/>
-                    <a:gd name="connsiteY1" fmla="*/ 446314 h 446314"/>
-                  </a:gdLst>
-                  <a:ahLst/>
-                  <a:cxnLst>
-                    <a:cxn ang="0">
-                      <a:pos x="connsiteX0" y="connsiteY0"/>
-                    </a:cxn>
-                    <a:cxn ang="0">
-                      <a:pos x="connsiteX1" y="connsiteY1"/>
-                    </a:cxn>
-                  </a:cxnLst>
-                  <a:rect l="l" t="t" r="r" b="b"/>
-                  <a:pathLst>
-                    <a:path w="4038600" h="446314">
-                      <a:moveTo>
-                        <a:pt x="0" y="0"/>
-                      </a:moveTo>
-                      <a:cubicBezTo>
-                        <a:pt x="1659164" y="146050"/>
-                        <a:pt x="3318329" y="292100"/>
-                        <a:pt x="4038600" y="446314"/>
-                      </a:cubicBezTo>
-                    </a:path>
-                  </a:pathLst>
-                </a:custGeom>
-                <a:noFill/>
-                <a:ln>
-                  <a:headEnd type="none" w="med" len="med"/>
-                  <a:tailEnd type="triangle" w="med" len="med"/>
-                </a:ln>
-              </p:spPr>
-              <p:style>
-                <a:lnRef idx="2">
-                  <a:schemeClr val="accent1">
-                    <a:shade val="50000"/>
-                  </a:schemeClr>
-                </a:lnRef>
-                <a:fillRef idx="1">
-                  <a:schemeClr val="accent1"/>
-                </a:fillRef>
-                <a:effectRef idx="0">
-                  <a:schemeClr val="accent1"/>
-                </a:effectRef>
-                <a:fontRef idx="minor">
-                  <a:schemeClr val="lt1"/>
-                </a:fontRef>
-              </p:style>
-              <p:txBody>
-                <a:bodyPr rtlCol="0" anchor="ctr"/>
-                <a:lstStyle/>
-                <a:p>
-                  <a:pPr algn="ctr"/>
-                  <a:endParaRPr lang="en-US"/>
-                </a:p>
-              </p:txBody>
-            </p:sp>
-            <p:sp>
-              <p:nvSpPr>
-                <p:cNvPr id="23" name="Rectangle 22">
-                  <a:extLst>
-                    <a:ext uri="{FF2B5EF4-FFF2-40B4-BE49-F238E27FC236}">
-                      <a16:creationId xmlns:a16="http://schemas.microsoft.com/office/drawing/2014/main" id="{521F06DB-C994-42C9-A38C-3E47841567CA}"/>
-                    </a:ext>
-                  </a:extLst>
-                </p:cNvPr>
-                <p:cNvSpPr/>
-                <p:nvPr/>
-              </p:nvSpPr>
-              <p:spPr>
-                <a:xfrm>
-                  <a:off x="3328806" y="4019001"/>
-                  <a:ext cx="1679828" cy="394436"/>
-                </a:xfrm>
-                <a:prstGeom prst="rect">
-                  <a:avLst/>
-                </a:prstGeom>
-                <a:solidFill>
-                  <a:srgbClr val="0070C0">
-                    <a:alpha val="50000"/>
-                  </a:srgbClr>
-                </a:solidFill>
-                <a:ln>
-                  <a:solidFill>
-                    <a:srgbClr val="0070C0"/>
-                  </a:solidFill>
-                </a:ln>
-              </p:spPr>
-              <p:style>
-                <a:lnRef idx="2">
-                  <a:schemeClr val="accent1">
-                    <a:shade val="50000"/>
-                  </a:schemeClr>
-                </a:lnRef>
-                <a:fillRef idx="1">
-                  <a:schemeClr val="accent1"/>
-                </a:fillRef>
-                <a:effectRef idx="0">
-                  <a:schemeClr val="accent1"/>
-                </a:effectRef>
-                <a:fontRef idx="minor">
-                  <a:schemeClr val="lt1"/>
-                </a:fontRef>
-              </p:style>
-              <p:txBody>
-                <a:bodyPr rot="0" spcFirstLastPara="0" vertOverflow="overflow" horzOverflow="overflow" vert="horz" wrap="square" lIns="91440" tIns="45720" rIns="91440" bIns="45720" numCol="1" spcCol="0" rtlCol="0" fromWordArt="0" anchor="ctr" anchorCtr="0" forceAA="0" compatLnSpc="1">
-                  <a:prstTxWarp prst="textNoShape">
-                    <a:avLst/>
-                  </a:prstTxWarp>
-                  <a:noAutofit/>
-                </a:bodyPr>
-                <a:lstStyle/>
-                <a:p>
-                  <a:pPr algn="ctr"/>
-                  <a:endParaRPr lang="en-US" dirty="0"/>
-                </a:p>
-              </p:txBody>
-            </p:sp>
-            <p:sp>
-              <p:nvSpPr>
-                <p:cNvPr id="24" name="Rectangle 23">
-                  <a:extLst>
-                    <a:ext uri="{FF2B5EF4-FFF2-40B4-BE49-F238E27FC236}">
-                      <a16:creationId xmlns:a16="http://schemas.microsoft.com/office/drawing/2014/main" id="{9EC33049-81F0-4D99-9AF9-EA29DCD03BDC}"/>
-                    </a:ext>
-                  </a:extLst>
-                </p:cNvPr>
-                <p:cNvSpPr/>
-                <p:nvPr/>
-              </p:nvSpPr>
-              <p:spPr>
-                <a:xfrm>
-                  <a:off x="5469431" y="4019859"/>
-                  <a:ext cx="586658" cy="394436"/>
-                </a:xfrm>
-                <a:prstGeom prst="rect">
-                  <a:avLst/>
-                </a:prstGeom>
-                <a:solidFill>
-                  <a:srgbClr val="0070C0">
-                    <a:alpha val="50000"/>
-                  </a:srgbClr>
-                </a:solidFill>
-                <a:ln>
-                  <a:solidFill>
-                    <a:srgbClr val="0070C0"/>
-                  </a:solidFill>
-                </a:ln>
-              </p:spPr>
-              <p:style>
-                <a:lnRef idx="2">
-                  <a:schemeClr val="accent1">
-                    <a:shade val="50000"/>
-                  </a:schemeClr>
-                </a:lnRef>
-                <a:fillRef idx="1">
-                  <a:schemeClr val="accent1"/>
-                </a:fillRef>
-                <a:effectRef idx="0">
-                  <a:schemeClr val="accent1"/>
-                </a:effectRef>
-                <a:fontRef idx="minor">
-                  <a:schemeClr val="lt1"/>
-                </a:fontRef>
-              </p:style>
-              <p:txBody>
-                <a:bodyPr rot="0" spcFirstLastPara="0" vertOverflow="overflow" horzOverflow="overflow" vert="horz" wrap="square" lIns="91440" tIns="45720" rIns="91440" bIns="45720" numCol="1" spcCol="0" rtlCol="0" fromWordArt="0" anchor="ctr" anchorCtr="0" forceAA="0" compatLnSpc="1">
-                  <a:prstTxWarp prst="textNoShape">
-                    <a:avLst/>
-                  </a:prstTxWarp>
-                  <a:noAutofit/>
-                </a:bodyPr>
-                <a:lstStyle/>
-                <a:p>
-                  <a:pPr algn="ctr"/>
-                  <a:endParaRPr lang="en-US" dirty="0"/>
-                </a:p>
-              </p:txBody>
-            </p:sp>
-          </p:grpSp>
+              <a:prstGeom prst="rect">
+                <a:avLst/>
+              </a:prstGeom>
+            </p:spPr>
+          </p:pic>
           <p:sp>
             <p:nvSpPr>
-              <p:cNvPr id="26" name="Rectangle 25">
+              <p:cNvPr id="6" name="Rectangle 5">
                 <a:extLst>
                   <a:ext uri="{FF2B5EF4-FFF2-40B4-BE49-F238E27FC236}">
-                    <a16:creationId xmlns:a16="http://schemas.microsoft.com/office/drawing/2014/main" id="{713E3E7A-BBC3-4877-A0F9-CC93BF928B9F}"/>
+                    <a16:creationId xmlns:a16="http://schemas.microsoft.com/office/drawing/2014/main" id="{7A2F7A9C-17DB-42F3-A634-9F5C3C666B6B}"/>
                   </a:ext>
                 </a:extLst>
               </p:cNvPr>
@@ -42235,8 +41678,8 @@
             </p:nvSpPr>
             <p:spPr>
               <a:xfrm>
-                <a:off x="10230184" y="4030249"/>
-                <a:ext cx="442478" cy="394436"/>
+                <a:off x="2258458" y="4021926"/>
+                <a:ext cx="1068636" cy="394436"/>
               </a:xfrm>
               <a:prstGeom prst="rect">
                 <a:avLst/>
@@ -42277,39 +41720,753 @@
               </a:p>
             </p:txBody>
           </p:sp>
+          <p:sp>
+            <p:nvSpPr>
+              <p:cNvPr id="8" name="Rectangle 7">
+                <a:extLst>
+                  <a:ext uri="{FF2B5EF4-FFF2-40B4-BE49-F238E27FC236}">
+                    <a16:creationId xmlns:a16="http://schemas.microsoft.com/office/drawing/2014/main" id="{A2236257-DACA-45FB-A907-1FD91638E888}"/>
+                  </a:ext>
+                </a:extLst>
+              </p:cNvPr>
+              <p:cNvSpPr/>
+              <p:nvPr/>
+            </p:nvSpPr>
+            <p:spPr>
+              <a:xfrm>
+                <a:off x="5027364" y="4021926"/>
+                <a:ext cx="415493" cy="394436"/>
+              </a:xfrm>
+              <a:prstGeom prst="rect">
+                <a:avLst/>
+              </a:prstGeom>
+              <a:solidFill>
+                <a:srgbClr val="FF0000">
+                  <a:alpha val="50000"/>
+                </a:srgbClr>
+              </a:solidFill>
+              <a:ln>
+                <a:solidFill>
+                  <a:srgbClr val="FF0000"/>
+                </a:solidFill>
+              </a:ln>
+            </p:spPr>
+            <p:style>
+              <a:lnRef idx="2">
+                <a:schemeClr val="accent1">
+                  <a:shade val="50000"/>
+                </a:schemeClr>
+              </a:lnRef>
+              <a:fillRef idx="1">
+                <a:schemeClr val="accent1"/>
+              </a:fillRef>
+              <a:effectRef idx="0">
+                <a:schemeClr val="accent1"/>
+              </a:effectRef>
+              <a:fontRef idx="minor">
+                <a:schemeClr val="lt1"/>
+              </a:fontRef>
+            </p:style>
+            <p:txBody>
+              <a:bodyPr rtlCol="0" anchor="ctr"/>
+              <a:lstStyle/>
+              <a:p>
+                <a:pPr algn="ctr"/>
+                <a:endParaRPr lang="en-US" dirty="0"/>
+              </a:p>
+            </p:txBody>
+          </p:sp>
+          <p:sp>
+            <p:nvSpPr>
+              <p:cNvPr id="9" name="Rectangle 8">
+                <a:extLst>
+                  <a:ext uri="{FF2B5EF4-FFF2-40B4-BE49-F238E27FC236}">
+                    <a16:creationId xmlns:a16="http://schemas.microsoft.com/office/drawing/2014/main" id="{9BD0A1D0-CDAE-4F77-8357-314C739FB8E6}"/>
+                  </a:ext>
+                </a:extLst>
+              </p:cNvPr>
+              <p:cNvSpPr/>
+              <p:nvPr/>
+            </p:nvSpPr>
+            <p:spPr>
+              <a:xfrm>
+                <a:off x="6074819" y="4016138"/>
+                <a:ext cx="1828210" cy="394436"/>
+              </a:xfrm>
+              <a:prstGeom prst="rect">
+                <a:avLst/>
+              </a:prstGeom>
+              <a:solidFill>
+                <a:srgbClr val="FF0000">
+                  <a:alpha val="50000"/>
+                </a:srgbClr>
+              </a:solidFill>
+              <a:ln>
+                <a:solidFill>
+                  <a:srgbClr val="FF0000"/>
+                </a:solidFill>
+              </a:ln>
+            </p:spPr>
+            <p:style>
+              <a:lnRef idx="2">
+                <a:schemeClr val="accent1">
+                  <a:shade val="50000"/>
+                </a:schemeClr>
+              </a:lnRef>
+              <a:fillRef idx="1">
+                <a:schemeClr val="accent1"/>
+              </a:fillRef>
+              <a:effectRef idx="0">
+                <a:schemeClr val="accent1"/>
+              </a:effectRef>
+              <a:fontRef idx="minor">
+                <a:schemeClr val="lt1"/>
+              </a:fontRef>
+            </p:style>
+            <p:txBody>
+              <a:bodyPr rtlCol="0" anchor="ctr"/>
+              <a:lstStyle/>
+              <a:p>
+                <a:pPr algn="ctr"/>
+                <a:endParaRPr lang="en-US" dirty="0"/>
+              </a:p>
+            </p:txBody>
+          </p:sp>
+          <p:sp>
+            <p:nvSpPr>
+              <p:cNvPr id="10" name="Rectangle 9">
+                <a:extLst>
+                  <a:ext uri="{FF2B5EF4-FFF2-40B4-BE49-F238E27FC236}">
+                    <a16:creationId xmlns:a16="http://schemas.microsoft.com/office/drawing/2014/main" id="{2859876F-B46E-4DDF-AE2E-AB20D2EF9CE9}"/>
+                  </a:ext>
+                </a:extLst>
+              </p:cNvPr>
+              <p:cNvSpPr/>
+              <p:nvPr/>
+            </p:nvSpPr>
+            <p:spPr>
+              <a:xfrm>
+                <a:off x="8822544" y="4012180"/>
+                <a:ext cx="332342" cy="394436"/>
+              </a:xfrm>
+              <a:prstGeom prst="rect">
+                <a:avLst/>
+              </a:prstGeom>
+              <a:solidFill>
+                <a:srgbClr val="FF0000">
+                  <a:alpha val="50000"/>
+                </a:srgbClr>
+              </a:solidFill>
+              <a:ln>
+                <a:solidFill>
+                  <a:srgbClr val="FF0000"/>
+                </a:solidFill>
+              </a:ln>
+            </p:spPr>
+            <p:style>
+              <a:lnRef idx="2">
+                <a:schemeClr val="accent1">
+                  <a:shade val="50000"/>
+                </a:schemeClr>
+              </a:lnRef>
+              <a:fillRef idx="1">
+                <a:schemeClr val="accent1"/>
+              </a:fillRef>
+              <a:effectRef idx="0">
+                <a:schemeClr val="accent1"/>
+              </a:effectRef>
+              <a:fontRef idx="minor">
+                <a:schemeClr val="lt1"/>
+              </a:fontRef>
+            </p:style>
+            <p:txBody>
+              <a:bodyPr rtlCol="0" anchor="ctr"/>
+              <a:lstStyle/>
+              <a:p>
+                <a:pPr algn="ctr"/>
+                <a:endParaRPr lang="en-US" dirty="0"/>
+              </a:p>
+            </p:txBody>
+          </p:sp>
+          <p:sp>
+            <p:nvSpPr>
+              <p:cNvPr id="11" name="Rectangle 10">
+                <a:extLst>
+                  <a:ext uri="{FF2B5EF4-FFF2-40B4-BE49-F238E27FC236}">
+                    <a16:creationId xmlns:a16="http://schemas.microsoft.com/office/drawing/2014/main" id="{1CE94A5E-A69F-43CA-8096-59595ED82B56}"/>
+                  </a:ext>
+                </a:extLst>
+              </p:cNvPr>
+              <p:cNvSpPr/>
+              <p:nvPr/>
+            </p:nvSpPr>
+            <p:spPr>
+              <a:xfrm>
+                <a:off x="7921759" y="4016138"/>
+                <a:ext cx="416698" cy="394436"/>
+              </a:xfrm>
+              <a:prstGeom prst="rect">
+                <a:avLst/>
+              </a:prstGeom>
+              <a:solidFill>
+                <a:srgbClr val="00B050">
+                  <a:alpha val="50000"/>
+                </a:srgbClr>
+              </a:solidFill>
+              <a:ln>
+                <a:solidFill>
+                  <a:srgbClr val="00B050"/>
+                </a:solidFill>
+              </a:ln>
+            </p:spPr>
+            <p:style>
+              <a:lnRef idx="2">
+                <a:schemeClr val="accent1">
+                  <a:shade val="50000"/>
+                </a:schemeClr>
+              </a:lnRef>
+              <a:fillRef idx="1">
+                <a:schemeClr val="accent1"/>
+              </a:fillRef>
+              <a:effectRef idx="0">
+                <a:schemeClr val="accent1"/>
+              </a:effectRef>
+              <a:fontRef idx="minor">
+                <a:schemeClr val="lt1"/>
+              </a:fontRef>
+            </p:style>
+            <p:txBody>
+              <a:bodyPr rtlCol="0" anchor="ctr"/>
+              <a:lstStyle/>
+              <a:p>
+                <a:pPr algn="ctr"/>
+                <a:endParaRPr lang="en-US" dirty="0"/>
+              </a:p>
+            </p:txBody>
+          </p:sp>
+          <p:sp>
+            <p:nvSpPr>
+              <p:cNvPr id="12" name="Rectangle 11">
+                <a:extLst>
+                  <a:ext uri="{FF2B5EF4-FFF2-40B4-BE49-F238E27FC236}">
+                    <a16:creationId xmlns:a16="http://schemas.microsoft.com/office/drawing/2014/main" id="{85A8119E-A4C2-4111-B52B-6D9E056AFBDC}"/>
+                  </a:ext>
+                </a:extLst>
+              </p:cNvPr>
+              <p:cNvSpPr/>
+              <p:nvPr/>
+            </p:nvSpPr>
+            <p:spPr>
+              <a:xfrm>
+                <a:off x="8365031" y="4016138"/>
+                <a:ext cx="416698" cy="394436"/>
+              </a:xfrm>
+              <a:prstGeom prst="rect">
+                <a:avLst/>
+              </a:prstGeom>
+              <a:solidFill>
+                <a:srgbClr val="0070C0">
+                  <a:alpha val="50000"/>
+                </a:srgbClr>
+              </a:solidFill>
+              <a:ln>
+                <a:solidFill>
+                  <a:srgbClr val="0070C0"/>
+                </a:solidFill>
+              </a:ln>
+            </p:spPr>
+            <p:style>
+              <a:lnRef idx="2">
+                <a:schemeClr val="accent1">
+                  <a:shade val="50000"/>
+                </a:schemeClr>
+              </a:lnRef>
+              <a:fillRef idx="1">
+                <a:schemeClr val="accent1"/>
+              </a:fillRef>
+              <a:effectRef idx="0">
+                <a:schemeClr val="accent1"/>
+              </a:effectRef>
+              <a:fontRef idx="minor">
+                <a:schemeClr val="lt1"/>
+              </a:fontRef>
+            </p:style>
+            <p:txBody>
+              <a:bodyPr rtlCol="0" anchor="ctr"/>
+              <a:lstStyle/>
+              <a:p>
+                <a:pPr algn="ctr"/>
+                <a:endParaRPr lang="en-US" dirty="0"/>
+              </a:p>
+            </p:txBody>
+          </p:sp>
+          <p:sp>
+            <p:nvSpPr>
+              <p:cNvPr id="13" name="Rectangle 12">
+                <a:extLst>
+                  <a:ext uri="{FF2B5EF4-FFF2-40B4-BE49-F238E27FC236}">
+                    <a16:creationId xmlns:a16="http://schemas.microsoft.com/office/drawing/2014/main" id="{9FE850A0-6CD7-47DA-B210-47AA356391CB}"/>
+                  </a:ext>
+                </a:extLst>
+              </p:cNvPr>
+              <p:cNvSpPr/>
+              <p:nvPr/>
+            </p:nvSpPr>
+            <p:spPr>
+              <a:xfrm>
+                <a:off x="9184815" y="4008806"/>
+                <a:ext cx="442478" cy="394436"/>
+              </a:xfrm>
+              <a:prstGeom prst="rect">
+                <a:avLst/>
+              </a:prstGeom>
+              <a:solidFill>
+                <a:srgbClr val="0070C0">
+                  <a:alpha val="50000"/>
+                </a:srgbClr>
+              </a:solidFill>
+              <a:ln>
+                <a:solidFill>
+                  <a:srgbClr val="0070C0"/>
+                </a:solidFill>
+              </a:ln>
+            </p:spPr>
+            <p:style>
+              <a:lnRef idx="2">
+                <a:schemeClr val="accent1">
+                  <a:shade val="50000"/>
+                </a:schemeClr>
+              </a:lnRef>
+              <a:fillRef idx="1">
+                <a:schemeClr val="accent1"/>
+              </a:fillRef>
+              <a:effectRef idx="0">
+                <a:schemeClr val="accent1"/>
+              </a:effectRef>
+              <a:fontRef idx="minor">
+                <a:schemeClr val="lt1"/>
+              </a:fontRef>
+            </p:style>
+            <p:txBody>
+              <a:bodyPr rot="0" spcFirstLastPara="0" vertOverflow="overflow" horzOverflow="overflow" vert="horz" wrap="square" lIns="91440" tIns="45720" rIns="91440" bIns="45720" numCol="1" spcCol="0" rtlCol="0" fromWordArt="0" anchor="ctr" anchorCtr="0" forceAA="0" compatLnSpc="1">
+                <a:prstTxWarp prst="textNoShape">
+                  <a:avLst/>
+                </a:prstTxWarp>
+                <a:noAutofit/>
+              </a:bodyPr>
+              <a:lstStyle/>
+              <a:p>
+                <a:pPr algn="ctr"/>
+                <a:endParaRPr lang="en-US" dirty="0"/>
+              </a:p>
+            </p:txBody>
+          </p:sp>
+          <p:sp>
+            <p:nvSpPr>
+              <p:cNvPr id="14" name="Rectangle 13">
+                <a:extLst>
+                  <a:ext uri="{FF2B5EF4-FFF2-40B4-BE49-F238E27FC236}">
+                    <a16:creationId xmlns:a16="http://schemas.microsoft.com/office/drawing/2014/main" id="{B5C56BDC-5AD3-45DF-A7A1-BBA9B4E0E7AF}"/>
+                  </a:ext>
+                </a:extLst>
+              </p:cNvPr>
+              <p:cNvSpPr/>
+              <p:nvPr/>
+            </p:nvSpPr>
+            <p:spPr>
+              <a:xfrm>
+                <a:off x="1373987" y="4191650"/>
+                <a:ext cx="889586" cy="394436"/>
+              </a:xfrm>
+              <a:prstGeom prst="rect">
+                <a:avLst/>
+              </a:prstGeom>
+              <a:solidFill>
+                <a:srgbClr val="0070C0">
+                  <a:alpha val="50000"/>
+                </a:srgbClr>
+              </a:solidFill>
+              <a:ln>
+                <a:solidFill>
+                  <a:srgbClr val="0070C0"/>
+                </a:solidFill>
+                <a:prstDash val="dashDot"/>
+              </a:ln>
+            </p:spPr>
+            <p:style>
+              <a:lnRef idx="2">
+                <a:schemeClr val="accent1">
+                  <a:shade val="50000"/>
+                </a:schemeClr>
+              </a:lnRef>
+              <a:fillRef idx="1">
+                <a:schemeClr val="accent1"/>
+              </a:fillRef>
+              <a:effectRef idx="0">
+                <a:schemeClr val="accent1"/>
+              </a:effectRef>
+              <a:fontRef idx="minor">
+                <a:schemeClr val="lt1"/>
+              </a:fontRef>
+            </p:style>
+            <p:txBody>
+              <a:bodyPr rot="0" spcFirstLastPara="0" vertOverflow="overflow" horzOverflow="overflow" vert="horz" wrap="square" lIns="91440" tIns="45720" rIns="91440" bIns="45720" numCol="1" spcCol="0" rtlCol="0" fromWordArt="0" anchor="ctr" anchorCtr="0" forceAA="0" compatLnSpc="1">
+                <a:prstTxWarp prst="textNoShape">
+                  <a:avLst/>
+                </a:prstTxWarp>
+                <a:noAutofit/>
+              </a:bodyPr>
+              <a:lstStyle/>
+              <a:p>
+                <a:pPr algn="ctr"/>
+                <a:endParaRPr lang="en-US" dirty="0"/>
+              </a:p>
+            </p:txBody>
+          </p:sp>
+          <p:sp>
+            <p:nvSpPr>
+              <p:cNvPr id="17" name="Freeform: Shape 16">
+                <a:extLst>
+                  <a:ext uri="{FF2B5EF4-FFF2-40B4-BE49-F238E27FC236}">
+                    <a16:creationId xmlns:a16="http://schemas.microsoft.com/office/drawing/2014/main" id="{BCA7FF2E-65F3-4A0B-B8A9-855ABE49536D}"/>
+                  </a:ext>
+                </a:extLst>
+              </p:cNvPr>
+              <p:cNvSpPr/>
+              <p:nvPr/>
+            </p:nvSpPr>
+            <p:spPr>
+              <a:xfrm>
+                <a:off x="1961404" y="2983634"/>
+                <a:ext cx="6583882" cy="1208015"/>
+              </a:xfrm>
+              <a:custGeom>
+                <a:avLst/>
+                <a:gdLst>
+                  <a:gd name="connsiteX0" fmla="*/ 0 w 6640286"/>
+                  <a:gd name="connsiteY0" fmla="*/ 1404710 h 1404710"/>
+                  <a:gd name="connsiteX1" fmla="*/ 3037114 w 6640286"/>
+                  <a:gd name="connsiteY1" fmla="*/ 452 h 1404710"/>
+                  <a:gd name="connsiteX2" fmla="*/ 6640286 w 6640286"/>
+                  <a:gd name="connsiteY2" fmla="*/ 1252310 h 1404710"/>
+                </a:gdLst>
+                <a:ahLst/>
+                <a:cxnLst>
+                  <a:cxn ang="0">
+                    <a:pos x="connsiteX0" y="connsiteY0"/>
+                  </a:cxn>
+                  <a:cxn ang="0">
+                    <a:pos x="connsiteX1" y="connsiteY1"/>
+                  </a:cxn>
+                  <a:cxn ang="0">
+                    <a:pos x="connsiteX2" y="connsiteY2"/>
+                  </a:cxn>
+                </a:cxnLst>
+                <a:rect l="l" t="t" r="r" b="b"/>
+                <a:pathLst>
+                  <a:path w="6640286" h="1404710">
+                    <a:moveTo>
+                      <a:pt x="0" y="1404710"/>
+                    </a:moveTo>
+                    <a:cubicBezTo>
+                      <a:pt x="965200" y="715281"/>
+                      <a:pt x="1930400" y="25852"/>
+                      <a:pt x="3037114" y="452"/>
+                    </a:cubicBezTo>
+                    <a:cubicBezTo>
+                      <a:pt x="4143828" y="-24948"/>
+                      <a:pt x="5974443" y="1025524"/>
+                      <a:pt x="6640286" y="1252310"/>
+                    </a:cubicBezTo>
+                  </a:path>
+                </a:pathLst>
+              </a:custGeom>
+              <a:noFill/>
+              <a:ln>
+                <a:headEnd type="none" w="med" len="med"/>
+                <a:tailEnd type="triangle" w="med" len="med"/>
+              </a:ln>
+            </p:spPr>
+            <p:style>
+              <a:lnRef idx="2">
+                <a:schemeClr val="accent1">
+                  <a:shade val="50000"/>
+                </a:schemeClr>
+              </a:lnRef>
+              <a:fillRef idx="1">
+                <a:schemeClr val="accent1"/>
+              </a:fillRef>
+              <a:effectRef idx="0">
+                <a:schemeClr val="accent1"/>
+              </a:effectRef>
+              <a:fontRef idx="minor">
+                <a:schemeClr val="lt1"/>
+              </a:fontRef>
+            </p:style>
+            <p:txBody>
+              <a:bodyPr rtlCol="0" anchor="ctr"/>
+              <a:lstStyle/>
+              <a:p>
+                <a:pPr algn="ctr"/>
+                <a:endParaRPr lang="en-US"/>
+              </a:p>
+            </p:txBody>
+          </p:sp>
+          <p:sp>
+            <p:nvSpPr>
+              <p:cNvPr id="22" name="Freeform: Shape 21">
+                <a:extLst>
+                  <a:ext uri="{FF2B5EF4-FFF2-40B4-BE49-F238E27FC236}">
+                    <a16:creationId xmlns:a16="http://schemas.microsoft.com/office/drawing/2014/main" id="{B7EEBD4C-41C4-48DA-9E6E-3D49BA24011E}"/>
+                  </a:ext>
+                </a:extLst>
+              </p:cNvPr>
+              <p:cNvSpPr/>
+              <p:nvPr/>
+            </p:nvSpPr>
+            <p:spPr>
+              <a:xfrm>
+                <a:off x="5192486" y="2982685"/>
+                <a:ext cx="4237271" cy="1033453"/>
+              </a:xfrm>
+              <a:custGeom>
+                <a:avLst/>
+                <a:gdLst>
+                  <a:gd name="connsiteX0" fmla="*/ 0 w 4038600"/>
+                  <a:gd name="connsiteY0" fmla="*/ 0 h 446314"/>
+                  <a:gd name="connsiteX1" fmla="*/ 4038600 w 4038600"/>
+                  <a:gd name="connsiteY1" fmla="*/ 446314 h 446314"/>
+                </a:gdLst>
+                <a:ahLst/>
+                <a:cxnLst>
+                  <a:cxn ang="0">
+                    <a:pos x="connsiteX0" y="connsiteY0"/>
+                  </a:cxn>
+                  <a:cxn ang="0">
+                    <a:pos x="connsiteX1" y="connsiteY1"/>
+                  </a:cxn>
+                </a:cxnLst>
+                <a:rect l="l" t="t" r="r" b="b"/>
+                <a:pathLst>
+                  <a:path w="4038600" h="446314">
+                    <a:moveTo>
+                      <a:pt x="0" y="0"/>
+                    </a:moveTo>
+                    <a:cubicBezTo>
+                      <a:pt x="1659164" y="146050"/>
+                      <a:pt x="3318329" y="292100"/>
+                      <a:pt x="4038600" y="446314"/>
+                    </a:cubicBezTo>
+                  </a:path>
+                </a:pathLst>
+              </a:custGeom>
+              <a:noFill/>
+              <a:ln>
+                <a:headEnd type="none" w="med" len="med"/>
+                <a:tailEnd type="triangle" w="med" len="med"/>
+              </a:ln>
+            </p:spPr>
+            <p:style>
+              <a:lnRef idx="2">
+                <a:schemeClr val="accent1">
+                  <a:shade val="50000"/>
+                </a:schemeClr>
+              </a:lnRef>
+              <a:fillRef idx="1">
+                <a:schemeClr val="accent1"/>
+              </a:fillRef>
+              <a:effectRef idx="0">
+                <a:schemeClr val="accent1"/>
+              </a:effectRef>
+              <a:fontRef idx="minor">
+                <a:schemeClr val="lt1"/>
+              </a:fontRef>
+            </p:style>
+            <p:txBody>
+              <a:bodyPr rtlCol="0" anchor="ctr"/>
+              <a:lstStyle/>
+              <a:p>
+                <a:pPr algn="ctr"/>
+                <a:endParaRPr lang="en-US"/>
+              </a:p>
+            </p:txBody>
+          </p:sp>
+          <p:sp>
+            <p:nvSpPr>
+              <p:cNvPr id="23" name="Rectangle 22">
+                <a:extLst>
+                  <a:ext uri="{FF2B5EF4-FFF2-40B4-BE49-F238E27FC236}">
+                    <a16:creationId xmlns:a16="http://schemas.microsoft.com/office/drawing/2014/main" id="{521F06DB-C994-42C9-A38C-3E47841567CA}"/>
+                  </a:ext>
+                </a:extLst>
+              </p:cNvPr>
+              <p:cNvSpPr/>
+              <p:nvPr/>
+            </p:nvSpPr>
+            <p:spPr>
+              <a:xfrm>
+                <a:off x="3328806" y="4019001"/>
+                <a:ext cx="1679828" cy="394436"/>
+              </a:xfrm>
+              <a:prstGeom prst="rect">
+                <a:avLst/>
+              </a:prstGeom>
+              <a:solidFill>
+                <a:srgbClr val="0070C0">
+                  <a:alpha val="50000"/>
+                </a:srgbClr>
+              </a:solidFill>
+              <a:ln>
+                <a:solidFill>
+                  <a:srgbClr val="0070C0"/>
+                </a:solidFill>
+              </a:ln>
+            </p:spPr>
+            <p:style>
+              <a:lnRef idx="2">
+                <a:schemeClr val="accent1">
+                  <a:shade val="50000"/>
+                </a:schemeClr>
+              </a:lnRef>
+              <a:fillRef idx="1">
+                <a:schemeClr val="accent1"/>
+              </a:fillRef>
+              <a:effectRef idx="0">
+                <a:schemeClr val="accent1"/>
+              </a:effectRef>
+              <a:fontRef idx="minor">
+                <a:schemeClr val="lt1"/>
+              </a:fontRef>
+            </p:style>
+            <p:txBody>
+              <a:bodyPr rot="0" spcFirstLastPara="0" vertOverflow="overflow" horzOverflow="overflow" vert="horz" wrap="square" lIns="91440" tIns="45720" rIns="91440" bIns="45720" numCol="1" spcCol="0" rtlCol="0" fromWordArt="0" anchor="ctr" anchorCtr="0" forceAA="0" compatLnSpc="1">
+                <a:prstTxWarp prst="textNoShape">
+                  <a:avLst/>
+                </a:prstTxWarp>
+                <a:noAutofit/>
+              </a:bodyPr>
+              <a:lstStyle/>
+              <a:p>
+                <a:pPr algn="ctr"/>
+                <a:endParaRPr lang="en-US" dirty="0"/>
+              </a:p>
+            </p:txBody>
+          </p:sp>
+          <p:sp>
+            <p:nvSpPr>
+              <p:cNvPr id="24" name="Rectangle 23">
+                <a:extLst>
+                  <a:ext uri="{FF2B5EF4-FFF2-40B4-BE49-F238E27FC236}">
+                    <a16:creationId xmlns:a16="http://schemas.microsoft.com/office/drawing/2014/main" id="{9EC33049-81F0-4D99-9AF9-EA29DCD03BDC}"/>
+                  </a:ext>
+                </a:extLst>
+              </p:cNvPr>
+              <p:cNvSpPr/>
+              <p:nvPr/>
+            </p:nvSpPr>
+            <p:spPr>
+              <a:xfrm>
+                <a:off x="5469431" y="4019859"/>
+                <a:ext cx="586658" cy="394436"/>
+              </a:xfrm>
+              <a:prstGeom prst="rect">
+                <a:avLst/>
+              </a:prstGeom>
+              <a:solidFill>
+                <a:srgbClr val="0070C0">
+                  <a:alpha val="50000"/>
+                </a:srgbClr>
+              </a:solidFill>
+              <a:ln>
+                <a:solidFill>
+                  <a:srgbClr val="0070C0"/>
+                </a:solidFill>
+              </a:ln>
+            </p:spPr>
+            <p:style>
+              <a:lnRef idx="2">
+                <a:schemeClr val="accent1">
+                  <a:shade val="50000"/>
+                </a:schemeClr>
+              </a:lnRef>
+              <a:fillRef idx="1">
+                <a:schemeClr val="accent1"/>
+              </a:fillRef>
+              <a:effectRef idx="0">
+                <a:schemeClr val="accent1"/>
+              </a:effectRef>
+              <a:fontRef idx="minor">
+                <a:schemeClr val="lt1"/>
+              </a:fontRef>
+            </p:style>
+            <p:txBody>
+              <a:bodyPr rot="0" spcFirstLastPara="0" vertOverflow="overflow" horzOverflow="overflow" vert="horz" wrap="square" lIns="91440" tIns="45720" rIns="91440" bIns="45720" numCol="1" spcCol="0" rtlCol="0" fromWordArt="0" anchor="ctr" anchorCtr="0" forceAA="0" compatLnSpc="1">
+                <a:prstTxWarp prst="textNoShape">
+                  <a:avLst/>
+                </a:prstTxWarp>
+                <a:noAutofit/>
+              </a:bodyPr>
+              <a:lstStyle/>
+              <a:p>
+                <a:pPr algn="ctr"/>
+                <a:endParaRPr lang="en-US" dirty="0"/>
+              </a:p>
+            </p:txBody>
+          </p:sp>
         </p:grpSp>
         <p:sp>
           <p:nvSpPr>
-            <p:cNvPr id="30" name="TextBox 29">
+            <p:cNvPr id="26" name="Rectangle 25">
               <a:extLst>
                 <a:ext uri="{FF2B5EF4-FFF2-40B4-BE49-F238E27FC236}">
-                  <a16:creationId xmlns:a16="http://schemas.microsoft.com/office/drawing/2014/main" id="{A9C1E545-DB7B-422E-837F-67F59F76025A}"/>
+                  <a16:creationId xmlns:a16="http://schemas.microsoft.com/office/drawing/2014/main" id="{713E3E7A-BBC3-4877-A0F9-CC93BF928B9F}"/>
                 </a:ext>
               </a:extLst>
             </p:cNvPr>
-            <p:cNvSpPr txBox="1"/>
+            <p:cNvSpPr/>
             <p:nvPr/>
           </p:nvSpPr>
           <p:spPr>
             <a:xfrm>
-              <a:off x="6227032" y="1325077"/>
-              <a:ext cx="2323008" cy="369332"/>
+              <a:off x="10230184" y="4030249"/>
+              <a:ext cx="442478" cy="394436"/>
             </a:xfrm>
             <a:prstGeom prst="rect">
               <a:avLst/>
             </a:prstGeom>
-            <a:noFill/>
+            <a:solidFill>
+              <a:srgbClr val="FF0000">
+                <a:alpha val="50000"/>
+              </a:srgbClr>
+            </a:solidFill>
+            <a:ln>
+              <a:solidFill>
+                <a:srgbClr val="FF0000"/>
+              </a:solidFill>
+            </a:ln>
           </p:spPr>
+          <p:style>
+            <a:lnRef idx="2">
+              <a:schemeClr val="accent1">
+                <a:shade val="50000"/>
+              </a:schemeClr>
+            </a:lnRef>
+            <a:fillRef idx="1">
+              <a:schemeClr val="accent1"/>
+            </a:fillRef>
+            <a:effectRef idx="0">
+              <a:schemeClr val="accent1"/>
+            </a:effectRef>
+            <a:fontRef idx="minor">
+              <a:schemeClr val="lt1"/>
+            </a:fontRef>
+          </p:style>
           <p:txBody>
-            <a:bodyPr wrap="none" rtlCol="0">
-              <a:spAutoFit/>
-            </a:bodyPr>
+            <a:bodyPr rtlCol="0" anchor="ctr"/>
             <a:lstStyle/>
             <a:p>
-              <a:r>
-                <a:rPr lang="en-US" dirty="0"/>
-                <a:t>Feature Engineering – 1 </a:t>
-              </a:r>
+              <a:pPr algn="ctr"/>
+              <a:endParaRPr lang="en-US" dirty="0"/>
             </a:p>
           </p:txBody>
         </p:sp>
@@ -42517,114 +42674,6 @@
 </p:sld>
 </file>
 
-<file path=ppt/slides/slide14.xml><?xml version="1.0" encoding="utf-8"?>
-<p:sld xmlns:a="http://schemas.openxmlformats.org/drawingml/2006/main" xmlns:r="http://schemas.openxmlformats.org/officeDocument/2006/relationships" xmlns:p="http://schemas.openxmlformats.org/presentationml/2006/main">
-  <p:cSld>
-    <p:spTree>
-      <p:nvGrpSpPr>
-        <p:cNvPr id="1" name=""/>
-        <p:cNvGrpSpPr/>
-        <p:nvPr/>
-      </p:nvGrpSpPr>
-      <p:grpSpPr>
-        <a:xfrm>
-          <a:off x="0" y="0"/>
-          <a:ext cx="0" cy="0"/>
-          <a:chOff x="0" y="0"/>
-          <a:chExt cx="0" cy="0"/>
-        </a:xfrm>
-      </p:grpSpPr>
-      <p:sp>
-        <p:nvSpPr>
-          <p:cNvPr id="2" name="Title 1">
-            <a:extLst>
-              <a:ext uri="{FF2B5EF4-FFF2-40B4-BE49-F238E27FC236}">
-                <a16:creationId xmlns:a16="http://schemas.microsoft.com/office/drawing/2014/main" id="{FBC880AD-115B-4BFE-A737-C6F42FCB8CFD}"/>
-              </a:ext>
-            </a:extLst>
-          </p:cNvPr>
-          <p:cNvSpPr>
-            <a:spLocks noGrp="1"/>
-          </p:cNvSpPr>
-          <p:nvPr>
-            <p:ph type="title"/>
-          </p:nvPr>
-        </p:nvSpPr>
-        <p:spPr/>
-        <p:txBody>
-          <a:bodyPr/>
-          <a:lstStyle/>
-          <a:p>
-            <a:r>
-              <a:rPr lang="en-US" dirty="0"/>
-              <a:t>Modeling Overview</a:t>
-            </a:r>
-          </a:p>
-        </p:txBody>
-      </p:sp>
-      <p:sp>
-        <p:nvSpPr>
-          <p:cNvPr id="3" name="Content Placeholder 2">
-            <a:extLst>
-              <a:ext uri="{FF2B5EF4-FFF2-40B4-BE49-F238E27FC236}">
-                <a16:creationId xmlns:a16="http://schemas.microsoft.com/office/drawing/2014/main" id="{CF62CCEB-3225-4844-A436-E17492B19D23}"/>
-              </a:ext>
-            </a:extLst>
-          </p:cNvPr>
-          <p:cNvSpPr>
-            <a:spLocks noGrp="1"/>
-          </p:cNvSpPr>
-          <p:nvPr>
-            <p:ph idx="1"/>
-          </p:nvPr>
-        </p:nvSpPr>
-        <p:spPr/>
-        <p:txBody>
-          <a:bodyPr/>
-          <a:lstStyle/>
-          <a:p>
-            <a:endParaRPr lang="en-US"/>
-          </a:p>
-        </p:txBody>
-      </p:sp>
-      <p:sp>
-        <p:nvSpPr>
-          <p:cNvPr id="4" name="Footer Placeholder 3">
-            <a:extLst>
-              <a:ext uri="{FF2B5EF4-FFF2-40B4-BE49-F238E27FC236}">
-                <a16:creationId xmlns:a16="http://schemas.microsoft.com/office/drawing/2014/main" id="{E01D2B6F-F671-4D51-9A47-22130A1DA353}"/>
-              </a:ext>
-            </a:extLst>
-          </p:cNvPr>
-          <p:cNvSpPr>
-            <a:spLocks noGrp="1"/>
-          </p:cNvSpPr>
-          <p:nvPr>
-            <p:ph type="ftr" sz="quarter" idx="11"/>
-          </p:nvPr>
-        </p:nvSpPr>
-        <p:spPr/>
-        <p:txBody>
-          <a:bodyPr/>
-          <a:lstStyle/>
-          <a:p>
-            <a:endParaRPr lang="en-US" dirty="0"/>
-          </a:p>
-        </p:txBody>
-      </p:sp>
-    </p:spTree>
-    <p:extLst>
-      <p:ext uri="{BB962C8B-B14F-4D97-AF65-F5344CB8AC3E}">
-        <p14:creationId xmlns:p14="http://schemas.microsoft.com/office/powerpoint/2010/main" val="3509255262"/>
-      </p:ext>
-    </p:extLst>
-  </p:cSld>
-  <p:clrMapOvr>
-    <a:masterClrMapping/>
-  </p:clrMapOvr>
-</p:sld>
-</file>
-
 <file path=ppt/slides/slide15.xml><?xml version="1.0" encoding="utf-8"?>
 <p:sld xmlns:a="http://schemas.openxmlformats.org/drawingml/2006/main" xmlns:r="http://schemas.openxmlformats.org/officeDocument/2006/relationships" xmlns:p="http://schemas.openxmlformats.org/presentationml/2006/main">
   <p:cSld>
@@ -42647,7 +42696,7 @@
           <p:cNvPr id="2" name="Title 1">
             <a:extLst>
               <a:ext uri="{FF2B5EF4-FFF2-40B4-BE49-F238E27FC236}">
-                <a16:creationId xmlns:a16="http://schemas.microsoft.com/office/drawing/2014/main" id="{A97A3B54-D5DE-4D65-A215-2DD36187D932}"/>
+                <a16:creationId xmlns:a16="http://schemas.microsoft.com/office/drawing/2014/main" id="{FD7F96B4-2791-4825-B2C4-54223FCA9200}"/>
               </a:ext>
             </a:extLst>
           </p:cNvPr>
@@ -42663,7 +42712,10 @@
           <a:bodyPr/>
           <a:lstStyle/>
           <a:p>
-            <a:endParaRPr lang="en-US"/>
+            <a:r>
+              <a:rPr lang="en-US" dirty="0"/>
+              <a:t>Train/Test Split </a:t>
+            </a:r>
           </a:p>
         </p:txBody>
       </p:sp>
@@ -42672,7 +42724,7 @@
           <p:cNvPr id="3" name="Content Placeholder 2">
             <a:extLst>
               <a:ext uri="{FF2B5EF4-FFF2-40B4-BE49-F238E27FC236}">
-                <a16:creationId xmlns:a16="http://schemas.microsoft.com/office/drawing/2014/main" id="{887CE0ED-FE17-4745-95B8-9C326C76B185}"/>
+                <a16:creationId xmlns:a16="http://schemas.microsoft.com/office/drawing/2014/main" id="{8E527C99-0760-4BF0-A44A-3B3A047EEE58}"/>
               </a:ext>
             </a:extLst>
           </p:cNvPr>
@@ -42688,7 +42740,7 @@
           <a:bodyPr/>
           <a:lstStyle/>
           <a:p>
-            <a:endParaRPr lang="en-US"/>
+            <a:endParaRPr lang="en-US" dirty="0"/>
           </a:p>
         </p:txBody>
       </p:sp>
@@ -42697,7 +42749,7 @@
           <p:cNvPr id="4" name="Footer Placeholder 3">
             <a:extLst>
               <a:ext uri="{FF2B5EF4-FFF2-40B4-BE49-F238E27FC236}">
-                <a16:creationId xmlns:a16="http://schemas.microsoft.com/office/drawing/2014/main" id="{07B2ACE2-87C7-4E41-835C-C4F8BC6FB943}"/>
+                <a16:creationId xmlns:a16="http://schemas.microsoft.com/office/drawing/2014/main" id="{F212B8FD-105A-4ADD-9EE6-5FC69AF7EE2B}"/>
               </a:ext>
             </a:extLst>
           </p:cNvPr>
@@ -42717,10 +42769,40 @@
           </a:p>
         </p:txBody>
       </p:sp>
+      <p:pic>
+        <p:nvPicPr>
+          <p:cNvPr id="6" name="Picture 5">
+            <a:extLst>
+              <a:ext uri="{FF2B5EF4-FFF2-40B4-BE49-F238E27FC236}">
+                <a16:creationId xmlns:a16="http://schemas.microsoft.com/office/drawing/2014/main" id="{D3490FE9-8014-42D6-A9D5-3E1B1DAED4FD}"/>
+              </a:ext>
+            </a:extLst>
+          </p:cNvPr>
+          <p:cNvPicPr>
+            <a:picLocks noChangeAspect="1"/>
+          </p:cNvPicPr>
+          <p:nvPr/>
+        </p:nvPicPr>
+        <p:blipFill>
+          <a:blip r:embed="rId2"/>
+          <a:stretch>
+            <a:fillRect/>
+          </a:stretch>
+        </p:blipFill>
+        <p:spPr>
+          <a:xfrm>
+            <a:off x="5782146" y="1690688"/>
+            <a:ext cx="5919258" cy="3531703"/>
+          </a:xfrm>
+          <a:prstGeom prst="rect">
+            <a:avLst/>
+          </a:prstGeom>
+        </p:spPr>
+      </p:pic>
     </p:spTree>
     <p:extLst>
       <p:ext uri="{BB962C8B-B14F-4D97-AF65-F5344CB8AC3E}">
-        <p14:creationId xmlns:p14="http://schemas.microsoft.com/office/powerpoint/2010/main" val="210578871"/>
+        <p14:creationId xmlns:p14="http://schemas.microsoft.com/office/powerpoint/2010/main" val="496324161"/>
       </p:ext>
     </p:extLst>
   </p:cSld>
@@ -42731,114 +42813,6 @@
 </file>
 
 <file path=ppt/slides/slide16.xml><?xml version="1.0" encoding="utf-8"?>
-<p:sld xmlns:a="http://schemas.openxmlformats.org/drawingml/2006/main" xmlns:r="http://schemas.openxmlformats.org/officeDocument/2006/relationships" xmlns:p="http://schemas.openxmlformats.org/presentationml/2006/main">
-  <p:cSld>
-    <p:spTree>
-      <p:nvGrpSpPr>
-        <p:cNvPr id="1" name=""/>
-        <p:cNvGrpSpPr/>
-        <p:nvPr/>
-      </p:nvGrpSpPr>
-      <p:grpSpPr>
-        <a:xfrm>
-          <a:off x="0" y="0"/>
-          <a:ext cx="0" cy="0"/>
-          <a:chOff x="0" y="0"/>
-          <a:chExt cx="0" cy="0"/>
-        </a:xfrm>
-      </p:grpSpPr>
-      <p:sp>
-        <p:nvSpPr>
-          <p:cNvPr id="2" name="Title 1">
-            <a:extLst>
-              <a:ext uri="{FF2B5EF4-FFF2-40B4-BE49-F238E27FC236}">
-                <a16:creationId xmlns:a16="http://schemas.microsoft.com/office/drawing/2014/main" id="{C1969C67-2F4B-43ED-9863-0F4E8CE624BC}"/>
-              </a:ext>
-            </a:extLst>
-          </p:cNvPr>
-          <p:cNvSpPr>
-            <a:spLocks noGrp="1"/>
-          </p:cNvSpPr>
-          <p:nvPr>
-            <p:ph type="title"/>
-          </p:nvPr>
-        </p:nvSpPr>
-        <p:spPr/>
-        <p:txBody>
-          <a:bodyPr/>
-          <a:lstStyle/>
-          <a:p>
-            <a:r>
-              <a:rPr lang="en-US" dirty="0"/>
-              <a:t>Modeling Steps</a:t>
-            </a:r>
-          </a:p>
-        </p:txBody>
-      </p:sp>
-      <p:sp>
-        <p:nvSpPr>
-          <p:cNvPr id="3" name="Content Placeholder 2">
-            <a:extLst>
-              <a:ext uri="{FF2B5EF4-FFF2-40B4-BE49-F238E27FC236}">
-                <a16:creationId xmlns:a16="http://schemas.microsoft.com/office/drawing/2014/main" id="{50187AF9-7960-4C2E-8BC5-FCE7BBF11234}"/>
-              </a:ext>
-            </a:extLst>
-          </p:cNvPr>
-          <p:cNvSpPr>
-            <a:spLocks noGrp="1"/>
-          </p:cNvSpPr>
-          <p:nvPr>
-            <p:ph idx="1"/>
-          </p:nvPr>
-        </p:nvSpPr>
-        <p:spPr/>
-        <p:txBody>
-          <a:bodyPr/>
-          <a:lstStyle/>
-          <a:p>
-            <a:endParaRPr lang="en-US"/>
-          </a:p>
-        </p:txBody>
-      </p:sp>
-      <p:sp>
-        <p:nvSpPr>
-          <p:cNvPr id="4" name="Footer Placeholder 3">
-            <a:extLst>
-              <a:ext uri="{FF2B5EF4-FFF2-40B4-BE49-F238E27FC236}">
-                <a16:creationId xmlns:a16="http://schemas.microsoft.com/office/drawing/2014/main" id="{1D75A775-CA79-4FFC-94B5-3765575AC678}"/>
-              </a:ext>
-            </a:extLst>
-          </p:cNvPr>
-          <p:cNvSpPr>
-            <a:spLocks noGrp="1"/>
-          </p:cNvSpPr>
-          <p:nvPr>
-            <p:ph type="ftr" sz="quarter" idx="11"/>
-          </p:nvPr>
-        </p:nvSpPr>
-        <p:spPr/>
-        <p:txBody>
-          <a:bodyPr/>
-          <a:lstStyle/>
-          <a:p>
-            <a:endParaRPr lang="en-US" dirty="0"/>
-          </a:p>
-        </p:txBody>
-      </p:sp>
-    </p:spTree>
-    <p:extLst>
-      <p:ext uri="{BB962C8B-B14F-4D97-AF65-F5344CB8AC3E}">
-        <p14:creationId xmlns:p14="http://schemas.microsoft.com/office/powerpoint/2010/main" val="3421335465"/>
-      </p:ext>
-    </p:extLst>
-  </p:cSld>
-  <p:clrMapOvr>
-    <a:masterClrMapping/>
-  </p:clrMapOvr>
-</p:sld>
-</file>
-
-<file path=ppt/slides/slide17.xml><?xml version="1.0" encoding="utf-8"?>
 <p:sld xmlns:a="http://schemas.openxmlformats.org/drawingml/2006/main" xmlns:r="http://schemas.openxmlformats.org/officeDocument/2006/relationships" xmlns:p="http://schemas.openxmlformats.org/presentationml/2006/main">
   <p:cSld>
     <p:spTree>
@@ -42883,8 +42857,8 @@
           </a:p>
         </p:txBody>
       </p:sp>
-      <mc:AlternateContent xmlns:mc="http://schemas.openxmlformats.org/markup-compatibility/2006">
-        <mc:Choice xmlns:a14="http://schemas.microsoft.com/office/drawing/2010/main" Requires="a14">
+      <mc:AlternateContent xmlns:mc="http://schemas.openxmlformats.org/markup-compatibility/2006" xmlns:a14="http://schemas.microsoft.com/office/drawing/2010/main">
+        <mc:Choice Requires="a14">
           <p:sp>
             <p:nvSpPr>
               <p:cNvPr id="3" name="Content Placeholder 2">
@@ -42906,6 +42880,16 @@
               <a:bodyPr/>
               <a:lstStyle/>
               <a:p>
+                <a:r>
+                  <a:rPr lang="en-US" dirty="0"/>
+                  <a:t>RMSLE = Root Mean Square Log Error</a:t>
+                </a:r>
+              </a:p>
+              <a:p>
+                <a:r>
+                  <a:rPr lang="en-US" dirty="0"/>
+                  <a:t>RMSLE = </a:t>
+                </a:r>
                 <a14:m>
                   <m:oMath xmlns:m="http://schemas.openxmlformats.org/officeDocument/2006/math">
                     <m:rad>
@@ -43149,7 +43133,7 @@
                 <a:endParaRPr lang="en-US" dirty="0"/>
               </a:p>
               <a:p>
-                <a:pPr lvl="0"/>
+                <a:pPr lvl="1"/>
                 <a14:m>
                   <m:oMath xmlns:m="http://schemas.openxmlformats.org/officeDocument/2006/math">
                     <m:r>
@@ -43166,7 +43150,7 @@
                 </a:r>
               </a:p>
               <a:p>
-                <a:pPr lvl="0"/>
+                <a:pPr lvl="1"/>
                 <a14:m>
                   <m:oMath xmlns:m="http://schemas.openxmlformats.org/officeDocument/2006/math">
                     <m:sSub>
@@ -43202,7 +43186,7 @@
                 </a:r>
               </a:p>
               <a:p>
-                <a:pPr lvl="0"/>
+                <a:pPr lvl="1"/>
                 <a14:m>
                   <m:oMath xmlns:m="http://schemas.openxmlformats.org/officeDocument/2006/math">
                     <m:sSub>
@@ -43238,6 +43222,7 @@
                 </a:r>
               </a:p>
               <a:p>
+                <a:pPr lvl="1"/>
                 <a14:m>
                   <m:oMath xmlns:m="http://schemas.openxmlformats.org/officeDocument/2006/math">
                     <m:r>
@@ -43283,7 +43268,7 @@
             </p:txBody>
           </p:sp>
         </mc:Choice>
-        <mc:Fallback>
+        <mc:Fallback xmlns="">
           <p:sp>
             <p:nvSpPr>
               <p:cNvPr id="3" name="Content Placeholder 2">
@@ -43304,7 +43289,7 @@
               <a:blipFill>
                 <a:blip r:embed="rId2"/>
                 <a:stretch>
-                  <a:fillRect/>
+                  <a:fillRect l="-1043" t="-2381"/>
                 </a:stretch>
               </a:blipFill>
             </p:spPr>
@@ -43361,7 +43346,7 @@
 </p:sld>
 </file>
 
-<file path=ppt/slides/slide18.xml><?xml version="1.0" encoding="utf-8"?>
+<file path=ppt/slides/slide17.xml><?xml version="1.0" encoding="utf-8"?>
 <p:sld xmlns:a="http://schemas.openxmlformats.org/drawingml/2006/main" xmlns:r="http://schemas.openxmlformats.org/officeDocument/2006/relationships" xmlns:p="http://schemas.openxmlformats.org/presentationml/2006/main">
   <p:cSld>
     <p:spTree>
@@ -43383,7 +43368,7 @@
           <p:cNvPr id="2" name="Title 1">
             <a:extLst>
               <a:ext uri="{FF2B5EF4-FFF2-40B4-BE49-F238E27FC236}">
-                <a16:creationId xmlns:a16="http://schemas.microsoft.com/office/drawing/2014/main" id="{FD7F96B4-2791-4825-B2C4-54223FCA9200}"/>
+                <a16:creationId xmlns:a16="http://schemas.microsoft.com/office/drawing/2014/main" id="{16FE676D-C835-4009-92FF-C88DF77B6B67}"/>
               </a:ext>
             </a:extLst>
           </p:cNvPr>
@@ -43401,7 +43386,7 @@
           <a:p>
             <a:r>
               <a:rPr lang="en-US" dirty="0"/>
-              <a:t>Train-Test Split </a:t>
+              <a:t>Regression Algorithms Used</a:t>
             </a:r>
           </a:p>
         </p:txBody>
@@ -43411,7 +43396,7 @@
           <p:cNvPr id="3" name="Content Placeholder 2">
             <a:extLst>
               <a:ext uri="{FF2B5EF4-FFF2-40B4-BE49-F238E27FC236}">
-                <a16:creationId xmlns:a16="http://schemas.microsoft.com/office/drawing/2014/main" id="{8E527C99-0760-4BF0-A44A-3B3A047EEE58}"/>
+                <a16:creationId xmlns:a16="http://schemas.microsoft.com/office/drawing/2014/main" id="{D1728BDE-C759-4D49-B599-2E042BCF2190}"/>
               </a:ext>
             </a:extLst>
           </p:cNvPr>
@@ -43422,12 +43407,46 @@
             <p:ph idx="1"/>
           </p:nvPr>
         </p:nvSpPr>
-        <p:spPr/>
+        <p:spPr>
+          <a:xfrm>
+            <a:off x="838200" y="1825625"/>
+            <a:ext cx="6160129" cy="4351338"/>
+          </a:xfrm>
+        </p:spPr>
         <p:txBody>
           <a:bodyPr/>
           <a:lstStyle/>
           <a:p>
-            <a:endParaRPr lang="en-US"/>
+            <a:r>
+              <a:rPr lang="en-US" dirty="0"/>
+              <a:t>3 Categories</a:t>
+            </a:r>
+          </a:p>
+          <a:p>
+            <a:pPr lvl="1"/>
+            <a:r>
+              <a:rPr lang="en-US" dirty="0"/>
+              <a:t>Linear Algorithms</a:t>
+            </a:r>
+          </a:p>
+          <a:p>
+            <a:pPr lvl="1"/>
+            <a:r>
+              <a:rPr lang="en-US" dirty="0"/>
+              <a:t>Ensemble Algorithms</a:t>
+            </a:r>
+          </a:p>
+          <a:p>
+            <a:pPr lvl="1"/>
+            <a:r>
+              <a:rPr lang="en-US" dirty="0"/>
+              <a:t>Stacking Algorithms where predictions from Linear and Ensemble methods were used to make </a:t>
+            </a:r>
+            <a:r>
+              <a:rPr lang="en-US"/>
+              <a:t>final predictions</a:t>
+            </a:r>
+            <a:endParaRPr lang="en-US" dirty="0"/>
           </a:p>
         </p:txBody>
       </p:sp>
@@ -43436,7 +43455,7 @@
           <p:cNvPr id="4" name="Footer Placeholder 3">
             <a:extLst>
               <a:ext uri="{FF2B5EF4-FFF2-40B4-BE49-F238E27FC236}">
-                <a16:creationId xmlns:a16="http://schemas.microsoft.com/office/drawing/2014/main" id="{F212B8FD-105A-4ADD-9EE6-5FC69AF7EE2B}"/>
+                <a16:creationId xmlns:a16="http://schemas.microsoft.com/office/drawing/2014/main" id="{BC00F2D2-002D-4773-8778-8AFC1C35F25A}"/>
               </a:ext>
             </a:extLst>
           </p:cNvPr>
@@ -43458,96 +43477,524 @@
       </p:sp>
       <p:graphicFrame>
         <p:nvGraphicFramePr>
-          <p:cNvPr id="5" name="Object 4">
+          <p:cNvPr id="5" name="Content Placeholder 4">
             <a:extLst>
               <a:ext uri="{FF2B5EF4-FFF2-40B4-BE49-F238E27FC236}">
-                <a16:creationId xmlns:a16="http://schemas.microsoft.com/office/drawing/2014/main" id="{F6B19541-BAD4-4B42-960D-913904A5E0E8}"/>
+                <a16:creationId xmlns:a16="http://schemas.microsoft.com/office/drawing/2014/main" id="{3F428377-33E6-4F10-BFCB-A56D662A859D}"/>
               </a:ext>
             </a:extLst>
           </p:cNvPr>
           <p:cNvGraphicFramePr>
-            <a:graphicFrameLocks noChangeAspect="1"/>
+            <a:graphicFrameLocks/>
           </p:cNvGraphicFramePr>
           <p:nvPr>
             <p:extLst>
               <p:ext uri="{D42A27DB-BD31-4B8C-83A1-F6EECF244321}">
-                <p14:modId xmlns:p14="http://schemas.microsoft.com/office/powerpoint/2010/main" val="3301736730"/>
+                <p14:modId xmlns:p14="http://schemas.microsoft.com/office/powerpoint/2010/main" val="3594336296"/>
               </p:ext>
             </p:extLst>
           </p:nvPr>
         </p:nvGraphicFramePr>
         <p:xfrm>
-          <a:off x="6094412" y="2875870"/>
-          <a:ext cx="5429250" cy="3314700"/>
+          <a:off x="7792016" y="1359887"/>
+          <a:ext cx="3561784" cy="4996463"/>
         </p:xfrm>
         <a:graphic>
-          <a:graphicData uri="http://schemas.openxmlformats.org/presentationml/2006/ole">
-            <mc:AlternateContent xmlns:mc="http://schemas.openxmlformats.org/markup-compatibility/2006">
-              <mc:Choice xmlns:v="urn:schemas-microsoft-com:vml" Requires="v">
-                <p:oleObj spid="_x0000_s1033" name="Visio" r:id="rId3" imgW="5425794" imgH="3310887" progId="Visio.Drawing.11">
-                  <p:embed/>
-                </p:oleObj>
-              </mc:Choice>
-              <mc:Fallback>
-                <p:oleObj name="Visio" r:id="rId3" imgW="5425794" imgH="3310887" progId="Visio.Drawing.11">
-                  <p:embed/>
-                  <p:pic>
-                    <p:nvPicPr>
-                      <p:cNvPr id="6" name="Object 5">
-                        <a:extLst>
-                          <a:ext uri="{FF2B5EF4-FFF2-40B4-BE49-F238E27FC236}">
-                            <a16:creationId xmlns:a16="http://schemas.microsoft.com/office/drawing/2014/main" id="{428502DF-856B-4F05-BBE2-F83BF685A192}"/>
-                          </a:ext>
-                        </a:extLst>
-                      </p:cNvPr>
-                      <p:cNvPicPr>
-                        <a:picLocks noChangeAspect="1" noChangeArrowheads="1"/>
-                      </p:cNvPicPr>
-                      <p:nvPr/>
-                    </p:nvPicPr>
-                    <p:blipFill>
-                      <a:blip r:embed="rId4">
-                        <a:extLst>
-                          <a:ext uri="{28A0092B-C50C-407E-A947-70E740481C1C}">
-                            <a14:useLocalDpi xmlns:a14="http://schemas.microsoft.com/office/drawing/2010/main" val="0"/>
-                          </a:ext>
-                        </a:extLst>
-                      </a:blip>
-                      <a:srcRect/>
-                      <a:stretch>
-                        <a:fillRect/>
-                      </a:stretch>
-                    </p:blipFill>
-                    <p:spPr bwMode="auto">
-                      <a:xfrm>
-                        <a:off x="6094412" y="2875870"/>
-                        <a:ext cx="5429250" cy="3314700"/>
-                      </a:xfrm>
-                      <a:prstGeom prst="rect">
-                        <a:avLst/>
-                      </a:prstGeom>
-                      <a:noFill/>
-                      <a:extLst>
-                        <a:ext uri="{909E8E84-426E-40DD-AFC4-6F175D3DCCD1}">
-                          <a14:hiddenFill xmlns:a14="http://schemas.microsoft.com/office/drawing/2010/main">
-                            <a:solidFill>
-                              <a:srgbClr val="FFFFFF"/>
-                            </a:solidFill>
-                          </a14:hiddenFill>
-                        </a:ext>
-                      </a:extLst>
-                    </p:spPr>
-                  </p:pic>
-                </p:oleObj>
-              </mc:Fallback>
-            </mc:AlternateContent>
+          <a:graphicData uri="http://schemas.openxmlformats.org/drawingml/2006/table">
+            <a:tbl>
+              <a:tblPr firstRow="1" bandRow="1">
+                <a:tableStyleId>{5C22544A-7EE6-4342-B048-85BDC9FD1C3A}</a:tableStyleId>
+              </a:tblPr>
+              <a:tblGrid>
+                <a:gridCol w="1262204">
+                  <a:extLst>
+                    <a:ext uri="{9D8B030D-6E8A-4147-A177-3AD203B41FA5}">
+                      <a16:colId xmlns:a16="http://schemas.microsoft.com/office/drawing/2014/main" val="1081073048"/>
+                    </a:ext>
+                  </a:extLst>
+                </a:gridCol>
+                <a:gridCol w="2299580">
+                  <a:extLst>
+                    <a:ext uri="{9D8B030D-6E8A-4147-A177-3AD203B41FA5}">
+                      <a16:colId xmlns:a16="http://schemas.microsoft.com/office/drawing/2014/main" val="3965714322"/>
+                    </a:ext>
+                  </a:extLst>
+                </a:gridCol>
+              </a:tblGrid>
+              <a:tr h="546383">
+                <a:tc>
+                  <a:txBody>
+                    <a:bodyPr/>
+                    <a:lstStyle/>
+                    <a:p>
+                      <a:pPr algn="ctr"/>
+                      <a:r>
+                        <a:rPr lang="en-US" dirty="0"/>
+                        <a:t>Category</a:t>
+                      </a:r>
+                    </a:p>
+                  </a:txBody>
+                  <a:tcPr anchor="ctr"/>
+                </a:tc>
+                <a:tc>
+                  <a:txBody>
+                    <a:bodyPr/>
+                    <a:lstStyle/>
+                    <a:p>
+                      <a:pPr algn="ctr"/>
+                      <a:r>
+                        <a:rPr lang="en-US" dirty="0"/>
+                        <a:t>Regression </a:t>
+                      </a:r>
+                      <a:r>
+                        <a:rPr lang="en-US" dirty="0" err="1"/>
+                        <a:t>Algo</a:t>
+                      </a:r>
+                      <a:endParaRPr lang="en-US" dirty="0"/>
+                    </a:p>
+                  </a:txBody>
+                  <a:tcPr anchor="ctr"/>
+                </a:tc>
+                <a:extLst>
+                  <a:ext uri="{0D108BD9-81ED-4DB2-BD59-A6C34878D82A}">
+                    <a16:rowId xmlns:a16="http://schemas.microsoft.com/office/drawing/2014/main" val="2586258446"/>
+                  </a:ext>
+                </a:extLst>
+              </a:tr>
+              <a:tr h="370840">
+                <a:tc>
+                  <a:txBody>
+                    <a:bodyPr/>
+                    <a:lstStyle/>
+                    <a:p>
+                      <a:pPr algn="ctr"/>
+                      <a:r>
+                        <a:rPr lang="en-US" sz="1600" dirty="0"/>
+                        <a:t>Linear</a:t>
+                      </a:r>
+                    </a:p>
+                  </a:txBody>
+                  <a:tcPr anchor="ctr"/>
+                </a:tc>
+                <a:tc>
+                  <a:txBody>
+                    <a:bodyPr/>
+                    <a:lstStyle/>
+                    <a:p>
+                      <a:pPr algn="ctr"/>
+                      <a:r>
+                        <a:rPr lang="en-US" sz="1600" dirty="0"/>
+                        <a:t>Linear Regression</a:t>
+                      </a:r>
+                    </a:p>
+                  </a:txBody>
+                  <a:tcPr anchor="ctr"/>
+                </a:tc>
+                <a:extLst>
+                  <a:ext uri="{0D108BD9-81ED-4DB2-BD59-A6C34878D82A}">
+                    <a16:rowId xmlns:a16="http://schemas.microsoft.com/office/drawing/2014/main" val="3126785780"/>
+                  </a:ext>
+                </a:extLst>
+              </a:tr>
+              <a:tr h="370840">
+                <a:tc>
+                  <a:txBody>
+                    <a:bodyPr/>
+                    <a:lstStyle/>
+                    <a:p>
+                      <a:pPr algn="ctr"/>
+                      <a:endParaRPr lang="en-US" sz="1600" dirty="0"/>
+                    </a:p>
+                  </a:txBody>
+                  <a:tcPr anchor="ctr"/>
+                </a:tc>
+                <a:tc>
+                  <a:txBody>
+                    <a:bodyPr/>
+                    <a:lstStyle/>
+                    <a:p>
+                      <a:pPr algn="ctr"/>
+                      <a:r>
+                        <a:rPr lang="en-US" sz="1600" dirty="0"/>
+                        <a:t>Ridge</a:t>
+                      </a:r>
+                    </a:p>
+                  </a:txBody>
+                  <a:tcPr anchor="ctr"/>
+                </a:tc>
+                <a:extLst>
+                  <a:ext uri="{0D108BD9-81ED-4DB2-BD59-A6C34878D82A}">
+                    <a16:rowId xmlns:a16="http://schemas.microsoft.com/office/drawing/2014/main" val="745063365"/>
+                  </a:ext>
+                </a:extLst>
+              </a:tr>
+              <a:tr h="370840">
+                <a:tc>
+                  <a:txBody>
+                    <a:bodyPr/>
+                    <a:lstStyle/>
+                    <a:p>
+                      <a:pPr algn="ctr"/>
+                      <a:endParaRPr lang="en-US" sz="1600" dirty="0"/>
+                    </a:p>
+                  </a:txBody>
+                  <a:tcPr anchor="ctr"/>
+                </a:tc>
+                <a:tc>
+                  <a:txBody>
+                    <a:bodyPr/>
+                    <a:lstStyle/>
+                    <a:p>
+                      <a:pPr algn="ctr"/>
+                      <a:r>
+                        <a:rPr lang="en-US" sz="1600" dirty="0"/>
+                        <a:t>Lasso</a:t>
+                      </a:r>
+                    </a:p>
+                  </a:txBody>
+                  <a:tcPr anchor="ctr"/>
+                </a:tc>
+                <a:extLst>
+                  <a:ext uri="{0D108BD9-81ED-4DB2-BD59-A6C34878D82A}">
+                    <a16:rowId xmlns:a16="http://schemas.microsoft.com/office/drawing/2014/main" val="1196336099"/>
+                  </a:ext>
+                </a:extLst>
+              </a:tr>
+              <a:tr h="370840">
+                <a:tc>
+                  <a:txBody>
+                    <a:bodyPr/>
+                    <a:lstStyle/>
+                    <a:p>
+                      <a:pPr algn="ctr"/>
+                      <a:r>
+                        <a:rPr lang="en-US" sz="1600" dirty="0"/>
+                        <a:t>Ensemble</a:t>
+                      </a:r>
+                    </a:p>
+                  </a:txBody>
+                  <a:tcPr anchor="ctr"/>
+                </a:tc>
+                <a:tc>
+                  <a:txBody>
+                    <a:bodyPr/>
+                    <a:lstStyle/>
+                    <a:p>
+                      <a:pPr algn="ctr"/>
+                      <a:r>
+                        <a:rPr lang="en-US" sz="1600" dirty="0"/>
+                        <a:t>Random Forest – 1 </a:t>
+                      </a:r>
+                    </a:p>
+                  </a:txBody>
+                  <a:tcPr anchor="ctr"/>
+                </a:tc>
+                <a:extLst>
+                  <a:ext uri="{0D108BD9-81ED-4DB2-BD59-A6C34878D82A}">
+                    <a16:rowId xmlns:a16="http://schemas.microsoft.com/office/drawing/2014/main" val="1746403839"/>
+                  </a:ext>
+                </a:extLst>
+              </a:tr>
+              <a:tr h="370840">
+                <a:tc>
+                  <a:txBody>
+                    <a:bodyPr/>
+                    <a:lstStyle/>
+                    <a:p>
+                      <a:pPr algn="ctr"/>
+                      <a:endParaRPr lang="en-US" sz="1600"/>
+                    </a:p>
+                  </a:txBody>
+                  <a:tcPr anchor="ctr"/>
+                </a:tc>
+                <a:tc>
+                  <a:txBody>
+                    <a:bodyPr/>
+                    <a:lstStyle/>
+                    <a:p>
+                      <a:pPr marL="0" marR="0" lvl="0" indent="0" algn="ctr" defTabSz="914400" rtl="0" eaLnBrk="1" fontAlgn="auto" latinLnBrk="0" hangingPunct="1">
+                        <a:lnSpc>
+                          <a:spcPct val="100000"/>
+                        </a:lnSpc>
+                        <a:spcBef>
+                          <a:spcPts val="0"/>
+                        </a:spcBef>
+                        <a:spcAft>
+                          <a:spcPts val="0"/>
+                        </a:spcAft>
+                        <a:buClrTx/>
+                        <a:buSzTx/>
+                        <a:buFontTx/>
+                        <a:buNone/>
+                        <a:tabLst/>
+                        <a:defRPr/>
+                      </a:pPr>
+                      <a:r>
+                        <a:rPr lang="en-US" sz="1600" dirty="0"/>
+                        <a:t>Random Forest – 2</a:t>
+                      </a:r>
+                    </a:p>
+                  </a:txBody>
+                  <a:tcPr anchor="ctr"/>
+                </a:tc>
+                <a:extLst>
+                  <a:ext uri="{0D108BD9-81ED-4DB2-BD59-A6C34878D82A}">
+                    <a16:rowId xmlns:a16="http://schemas.microsoft.com/office/drawing/2014/main" val="483279711"/>
+                  </a:ext>
+                </a:extLst>
+              </a:tr>
+              <a:tr h="370840">
+                <a:tc>
+                  <a:txBody>
+                    <a:bodyPr/>
+                    <a:lstStyle/>
+                    <a:p>
+                      <a:pPr algn="ctr"/>
+                      <a:endParaRPr lang="en-US" sz="1600"/>
+                    </a:p>
+                  </a:txBody>
+                  <a:tcPr anchor="ctr"/>
+                </a:tc>
+                <a:tc>
+                  <a:txBody>
+                    <a:bodyPr/>
+                    <a:lstStyle/>
+                    <a:p>
+                      <a:pPr marL="0" marR="0" lvl="0" indent="0" algn="ctr" defTabSz="914400" rtl="0" eaLnBrk="1" fontAlgn="auto" latinLnBrk="0" hangingPunct="1">
+                        <a:lnSpc>
+                          <a:spcPct val="100000"/>
+                        </a:lnSpc>
+                        <a:spcBef>
+                          <a:spcPts val="0"/>
+                        </a:spcBef>
+                        <a:spcAft>
+                          <a:spcPts val="0"/>
+                        </a:spcAft>
+                        <a:buClrTx/>
+                        <a:buSzTx/>
+                        <a:buFontTx/>
+                        <a:buNone/>
+                        <a:tabLst/>
+                        <a:defRPr/>
+                      </a:pPr>
+                      <a:r>
+                        <a:rPr lang="en-US" sz="1600" dirty="0"/>
+                        <a:t>Random Forest – 3</a:t>
+                      </a:r>
+                    </a:p>
+                  </a:txBody>
+                  <a:tcPr anchor="ctr"/>
+                </a:tc>
+                <a:extLst>
+                  <a:ext uri="{0D108BD9-81ED-4DB2-BD59-A6C34878D82A}">
+                    <a16:rowId xmlns:a16="http://schemas.microsoft.com/office/drawing/2014/main" val="4168747034"/>
+                  </a:ext>
+                </a:extLst>
+              </a:tr>
+              <a:tr h="370840">
+                <a:tc>
+                  <a:txBody>
+                    <a:bodyPr/>
+                    <a:lstStyle/>
+                    <a:p>
+                      <a:pPr algn="ctr"/>
+                      <a:endParaRPr lang="en-US" sz="1600"/>
+                    </a:p>
+                  </a:txBody>
+                  <a:tcPr anchor="ctr"/>
+                </a:tc>
+                <a:tc>
+                  <a:txBody>
+                    <a:bodyPr/>
+                    <a:lstStyle/>
+                    <a:p>
+                      <a:pPr algn="ctr"/>
+                      <a:r>
+                        <a:rPr lang="en-US" sz="1600" dirty="0"/>
+                        <a:t>Gradient Boost – 1</a:t>
+                      </a:r>
+                    </a:p>
+                  </a:txBody>
+                  <a:tcPr anchor="ctr"/>
+                </a:tc>
+                <a:extLst>
+                  <a:ext uri="{0D108BD9-81ED-4DB2-BD59-A6C34878D82A}">
+                    <a16:rowId xmlns:a16="http://schemas.microsoft.com/office/drawing/2014/main" val="3920843030"/>
+                  </a:ext>
+                </a:extLst>
+              </a:tr>
+              <a:tr h="370840">
+                <a:tc>
+                  <a:txBody>
+                    <a:bodyPr/>
+                    <a:lstStyle/>
+                    <a:p>
+                      <a:pPr algn="ctr"/>
+                      <a:endParaRPr lang="en-US" sz="1600" dirty="0"/>
+                    </a:p>
+                  </a:txBody>
+                  <a:tcPr anchor="ctr"/>
+                </a:tc>
+                <a:tc>
+                  <a:txBody>
+                    <a:bodyPr/>
+                    <a:lstStyle/>
+                    <a:p>
+                      <a:pPr algn="ctr"/>
+                      <a:r>
+                        <a:rPr lang="en-US" sz="1600" dirty="0"/>
+                        <a:t>Gradient Boost – 2 </a:t>
+                      </a:r>
+                    </a:p>
+                  </a:txBody>
+                  <a:tcPr anchor="ctr"/>
+                </a:tc>
+                <a:extLst>
+                  <a:ext uri="{0D108BD9-81ED-4DB2-BD59-A6C34878D82A}">
+                    <a16:rowId xmlns:a16="http://schemas.microsoft.com/office/drawing/2014/main" val="397751768"/>
+                  </a:ext>
+                </a:extLst>
+              </a:tr>
+              <a:tr h="370840">
+                <a:tc>
+                  <a:txBody>
+                    <a:bodyPr/>
+                    <a:lstStyle/>
+                    <a:p>
+                      <a:pPr algn="ctr"/>
+                      <a:endParaRPr lang="en-US" sz="1600" dirty="0"/>
+                    </a:p>
+                  </a:txBody>
+                  <a:tcPr anchor="ctr"/>
+                </a:tc>
+                <a:tc>
+                  <a:txBody>
+                    <a:bodyPr/>
+                    <a:lstStyle/>
+                    <a:p>
+                      <a:pPr algn="ctr"/>
+                      <a:r>
+                        <a:rPr lang="en-US" sz="1600" dirty="0" err="1"/>
+                        <a:t>Adaboost</a:t>
+                      </a:r>
+                      <a:endParaRPr lang="en-US" sz="1600" dirty="0"/>
+                    </a:p>
+                  </a:txBody>
+                  <a:tcPr anchor="ctr"/>
+                </a:tc>
+                <a:extLst>
+                  <a:ext uri="{0D108BD9-81ED-4DB2-BD59-A6C34878D82A}">
+                    <a16:rowId xmlns:a16="http://schemas.microsoft.com/office/drawing/2014/main" val="1889710477"/>
+                  </a:ext>
+                </a:extLst>
+              </a:tr>
+              <a:tr h="370840">
+                <a:tc>
+                  <a:txBody>
+                    <a:bodyPr/>
+                    <a:lstStyle/>
+                    <a:p>
+                      <a:pPr algn="ctr"/>
+                      <a:r>
+                        <a:rPr lang="en-US" sz="1600" dirty="0"/>
+                        <a:t>Stacking</a:t>
+                      </a:r>
+                    </a:p>
+                  </a:txBody>
+                  <a:tcPr anchor="ctr"/>
+                </a:tc>
+                <a:tc>
+                  <a:txBody>
+                    <a:bodyPr/>
+                    <a:lstStyle/>
+                    <a:p>
+                      <a:pPr algn="ctr"/>
+                      <a:r>
+                        <a:rPr lang="en-US" sz="1600" dirty="0"/>
+                        <a:t>Linear Regression</a:t>
+                      </a:r>
+                    </a:p>
+                  </a:txBody>
+                  <a:tcPr anchor="ctr"/>
+                </a:tc>
+                <a:extLst>
+                  <a:ext uri="{0D108BD9-81ED-4DB2-BD59-A6C34878D82A}">
+                    <a16:rowId xmlns:a16="http://schemas.microsoft.com/office/drawing/2014/main" val="2360560281"/>
+                  </a:ext>
+                </a:extLst>
+              </a:tr>
+              <a:tr h="370840">
+                <a:tc>
+                  <a:txBody>
+                    <a:bodyPr/>
+                    <a:lstStyle/>
+                    <a:p>
+                      <a:pPr algn="ctr"/>
+                      <a:endParaRPr lang="en-US" sz="1600"/>
+                    </a:p>
+                  </a:txBody>
+                  <a:tcPr anchor="ctr"/>
+                </a:tc>
+                <a:tc>
+                  <a:txBody>
+                    <a:bodyPr/>
+                    <a:lstStyle/>
+                    <a:p>
+                      <a:pPr algn="ctr"/>
+                      <a:r>
+                        <a:rPr lang="en-US" sz="1600" dirty="0"/>
+                        <a:t>Random Forest</a:t>
+                      </a:r>
+                    </a:p>
+                  </a:txBody>
+                  <a:tcPr anchor="ctr"/>
+                </a:tc>
+                <a:extLst>
+                  <a:ext uri="{0D108BD9-81ED-4DB2-BD59-A6C34878D82A}">
+                    <a16:rowId xmlns:a16="http://schemas.microsoft.com/office/drawing/2014/main" val="3595570723"/>
+                  </a:ext>
+                </a:extLst>
+              </a:tr>
+              <a:tr h="370840">
+                <a:tc>
+                  <a:txBody>
+                    <a:bodyPr/>
+                    <a:lstStyle/>
+                    <a:p>
+                      <a:pPr algn="ctr"/>
+                      <a:endParaRPr lang="en-US" sz="1600"/>
+                    </a:p>
+                  </a:txBody>
+                  <a:tcPr anchor="ctr"/>
+                </a:tc>
+                <a:tc>
+                  <a:txBody>
+                    <a:bodyPr/>
+                    <a:lstStyle/>
+                    <a:p>
+                      <a:pPr algn="ctr"/>
+                      <a:r>
+                        <a:rPr lang="en-US" sz="1600" dirty="0"/>
+                        <a:t>Gradient Boost</a:t>
+                      </a:r>
+                    </a:p>
+                  </a:txBody>
+                  <a:tcPr anchor="ctr"/>
+                </a:tc>
+                <a:extLst>
+                  <a:ext uri="{0D108BD9-81ED-4DB2-BD59-A6C34878D82A}">
+                    <a16:rowId xmlns:a16="http://schemas.microsoft.com/office/drawing/2014/main" val="1713656923"/>
+                  </a:ext>
+                </a:extLst>
+              </a:tr>
+            </a:tbl>
           </a:graphicData>
         </a:graphic>
       </p:graphicFrame>
     </p:spTree>
     <p:extLst>
       <p:ext uri="{BB962C8B-B14F-4D97-AF65-F5344CB8AC3E}">
-        <p14:creationId xmlns:p14="http://schemas.microsoft.com/office/powerpoint/2010/main" val="496324161"/>
+        <p14:creationId xmlns:p14="http://schemas.microsoft.com/office/powerpoint/2010/main" val="3112501513"/>
       </p:ext>
     </p:extLst>
   </p:cSld>
@@ -43557,7 +44004,7 @@
 </p:sld>
 </file>
 
-<file path=ppt/slides/slide19.xml><?xml version="1.0" encoding="utf-8"?>
+<file path=ppt/slides/slide18.xml><?xml version="1.0" encoding="utf-8"?>
 <p:sld xmlns:a="http://schemas.openxmlformats.org/drawingml/2006/main" xmlns:r="http://schemas.openxmlformats.org/officeDocument/2006/relationships" xmlns:p="http://schemas.openxmlformats.org/presentationml/2006/main">
   <p:cSld>
     <p:spTree>
@@ -43597,7 +44044,7 @@
           <a:p>
             <a:r>
               <a:rPr lang="en-US" dirty="0"/>
-              <a:t>Stacking Modeling Procedure</a:t>
+              <a:t>Stacking Model Details</a:t>
             </a:r>
           </a:p>
         </p:txBody>
@@ -43623,7 +44070,7 @@
           <a:bodyPr/>
           <a:lstStyle/>
           <a:p>
-            <a:endParaRPr lang="en-US"/>
+            <a:endParaRPr lang="en-US" dirty="0"/>
           </a:p>
         </p:txBody>
       </p:sp>
@@ -43680,7 +44127,7 @@
           <a:graphicData uri="http://schemas.openxmlformats.org/presentationml/2006/ole">
             <mc:AlternateContent xmlns:mc="http://schemas.openxmlformats.org/markup-compatibility/2006">
               <mc:Choice xmlns:v="urn:schemas-microsoft-com:vml" Requires="v">
-                <p:oleObj spid="_x0000_s2064" name="Visio" r:id="rId3" imgW="6264123" imgH="3597409" progId="Visio.Drawing.11">
+                <p:oleObj spid="_x0000_s2076" name="Visio" r:id="rId3" imgW="6264123" imgH="3597409" progId="Visio.Drawing.11">
                   <p:embed/>
                 </p:oleObj>
               </mc:Choice>
@@ -43768,7 +44215,7 @@
           <a:graphicData uri="http://schemas.openxmlformats.org/presentationml/2006/ole">
             <mc:AlternateContent xmlns:mc="http://schemas.openxmlformats.org/markup-compatibility/2006">
               <mc:Choice xmlns:v="urn:schemas-microsoft-com:vml" Requires="v">
-                <p:oleObj spid="_x0000_s2065" name="Visio" r:id="rId5" imgW="3106688" imgH="3521048" progId="Visio.Drawing.11">
+                <p:oleObj spid="_x0000_s2077" name="Visio" r:id="rId5" imgW="3106688" imgH="3521048" progId="Visio.Drawing.11">
                   <p:embed/>
                 </p:oleObj>
               </mc:Choice>
@@ -43832,6 +44279,144 @@
     <p:extLst>
       <p:ext uri="{BB962C8B-B14F-4D97-AF65-F5344CB8AC3E}">
         <p14:creationId xmlns:p14="http://schemas.microsoft.com/office/powerpoint/2010/main" val="3434301218"/>
+      </p:ext>
+    </p:extLst>
+  </p:cSld>
+  <p:clrMapOvr>
+    <a:masterClrMapping/>
+  </p:clrMapOvr>
+</p:sld>
+</file>
+
+<file path=ppt/slides/slide19.xml><?xml version="1.0" encoding="utf-8"?>
+<p:sld xmlns:a="http://schemas.openxmlformats.org/drawingml/2006/main" xmlns:r="http://schemas.openxmlformats.org/officeDocument/2006/relationships" xmlns:p="http://schemas.openxmlformats.org/presentationml/2006/main">
+  <p:cSld>
+    <p:spTree>
+      <p:nvGrpSpPr>
+        <p:cNvPr id="1" name=""/>
+        <p:cNvGrpSpPr/>
+        <p:nvPr/>
+      </p:nvGrpSpPr>
+      <p:grpSpPr>
+        <a:xfrm>
+          <a:off x="0" y="0"/>
+          <a:ext cx="0" cy="0"/>
+          <a:chOff x="0" y="0"/>
+          <a:chExt cx="0" cy="0"/>
+        </a:xfrm>
+      </p:grpSpPr>
+      <p:sp>
+        <p:nvSpPr>
+          <p:cNvPr id="2" name="Title 1">
+            <a:extLst>
+              <a:ext uri="{FF2B5EF4-FFF2-40B4-BE49-F238E27FC236}">
+                <a16:creationId xmlns:a16="http://schemas.microsoft.com/office/drawing/2014/main" id="{8E6F5BF0-AF2F-45DF-92C8-4B583E9680AB}"/>
+              </a:ext>
+            </a:extLst>
+          </p:cNvPr>
+          <p:cNvSpPr>
+            <a:spLocks noGrp="1"/>
+          </p:cNvSpPr>
+          <p:nvPr>
+            <p:ph type="title"/>
+          </p:nvPr>
+        </p:nvSpPr>
+        <p:spPr/>
+        <p:txBody>
+          <a:bodyPr/>
+          <a:lstStyle/>
+          <a:p>
+            <a:r>
+              <a:rPr lang="en-US" dirty="0"/>
+              <a:t>Stacking Model Summary</a:t>
+            </a:r>
+          </a:p>
+        </p:txBody>
+      </p:sp>
+      <p:sp>
+        <p:nvSpPr>
+          <p:cNvPr id="3" name="Content Placeholder 2">
+            <a:extLst>
+              <a:ext uri="{FF2B5EF4-FFF2-40B4-BE49-F238E27FC236}">
+                <a16:creationId xmlns:a16="http://schemas.microsoft.com/office/drawing/2014/main" id="{51CEA778-E428-4143-9DB1-227D3E1DCCE3}"/>
+              </a:ext>
+            </a:extLst>
+          </p:cNvPr>
+          <p:cNvSpPr>
+            <a:spLocks noGrp="1"/>
+          </p:cNvSpPr>
+          <p:nvPr>
+            <p:ph idx="1"/>
+          </p:nvPr>
+        </p:nvSpPr>
+        <p:spPr/>
+        <p:txBody>
+          <a:bodyPr/>
+          <a:lstStyle/>
+          <a:p>
+            <a:endParaRPr lang="en-US"/>
+          </a:p>
+        </p:txBody>
+      </p:sp>
+      <p:sp>
+        <p:nvSpPr>
+          <p:cNvPr id="4" name="Footer Placeholder 3">
+            <a:extLst>
+              <a:ext uri="{FF2B5EF4-FFF2-40B4-BE49-F238E27FC236}">
+                <a16:creationId xmlns:a16="http://schemas.microsoft.com/office/drawing/2014/main" id="{72F6D66B-0D24-4B6B-84F9-7BFE94F3E98E}"/>
+              </a:ext>
+            </a:extLst>
+          </p:cNvPr>
+          <p:cNvSpPr>
+            <a:spLocks noGrp="1"/>
+          </p:cNvSpPr>
+          <p:nvPr>
+            <p:ph type="ftr" sz="quarter" idx="11"/>
+          </p:nvPr>
+        </p:nvSpPr>
+        <p:spPr/>
+        <p:txBody>
+          <a:bodyPr/>
+          <a:lstStyle/>
+          <a:p>
+            <a:endParaRPr lang="en-US" dirty="0"/>
+          </a:p>
+        </p:txBody>
+      </p:sp>
+      <p:pic>
+        <p:nvPicPr>
+          <p:cNvPr id="5" name="Picture 4">
+            <a:extLst>
+              <a:ext uri="{FF2B5EF4-FFF2-40B4-BE49-F238E27FC236}">
+                <a16:creationId xmlns:a16="http://schemas.microsoft.com/office/drawing/2014/main" id="{8CCFF374-A5D4-4C7D-AA20-09C43951A321}"/>
+              </a:ext>
+            </a:extLst>
+          </p:cNvPr>
+          <p:cNvPicPr>
+            <a:picLocks noChangeAspect="1"/>
+          </p:cNvPicPr>
+          <p:nvPr/>
+        </p:nvPicPr>
+        <p:blipFill>
+          <a:blip r:embed="rId2"/>
+          <a:stretch>
+            <a:fillRect/>
+          </a:stretch>
+        </p:blipFill>
+        <p:spPr>
+          <a:xfrm>
+            <a:off x="1752846" y="2302508"/>
+            <a:ext cx="8686308" cy="2252983"/>
+          </a:xfrm>
+          <a:prstGeom prst="rect">
+            <a:avLst/>
+          </a:prstGeom>
+        </p:spPr>
+      </p:pic>
+    </p:spTree>
+    <p:extLst>
+      <p:ext uri="{BB962C8B-B14F-4D97-AF65-F5344CB8AC3E}">
+        <p14:creationId xmlns:p14="http://schemas.microsoft.com/office/powerpoint/2010/main" val="1889025695"/>
       </p:ext>
     </p:extLst>
   </p:cSld>
